--- a/docker/Docker - 01 - Basic.pptx
+++ b/docker/Docker - 01 - Basic.pptx
@@ -10,40 +10,44 @@
   <p:sldIdLst>
     <p:sldId id="256" r:id="rId3"/>
     <p:sldId id="257" r:id="rId5"/>
-    <p:sldId id="258" r:id="rId6"/>
-    <p:sldId id="319" r:id="rId7"/>
-    <p:sldId id="320" r:id="rId8"/>
+    <p:sldId id="346" r:id="rId6"/>
+    <p:sldId id="258" r:id="rId7"/>
+    <p:sldId id="319" r:id="rId8"/>
     <p:sldId id="321" r:id="rId9"/>
-    <p:sldId id="322" r:id="rId10"/>
-    <p:sldId id="323" r:id="rId11"/>
-    <p:sldId id="324" r:id="rId12"/>
-    <p:sldId id="325" r:id="rId13"/>
-    <p:sldId id="328" r:id="rId14"/>
-    <p:sldId id="331" r:id="rId15"/>
-    <p:sldId id="332" r:id="rId16"/>
-    <p:sldId id="333" r:id="rId17"/>
-    <p:sldId id="335" r:id="rId18"/>
-    <p:sldId id="334" r:id="rId19"/>
-    <p:sldId id="336" r:id="rId20"/>
-    <p:sldId id="337" r:id="rId21"/>
-    <p:sldId id="338" r:id="rId22"/>
-    <p:sldId id="339" r:id="rId23"/>
-    <p:sldId id="340" r:id="rId24"/>
-    <p:sldId id="341" r:id="rId25"/>
-    <p:sldId id="342" r:id="rId26"/>
-    <p:sldId id="343" r:id="rId27"/>
-    <p:sldId id="304" r:id="rId28"/>
+    <p:sldId id="369" r:id="rId10"/>
+    <p:sldId id="371" r:id="rId11"/>
+    <p:sldId id="372" r:id="rId12"/>
+    <p:sldId id="320" r:id="rId13"/>
+    <p:sldId id="322" r:id="rId14"/>
+    <p:sldId id="324" r:id="rId15"/>
+    <p:sldId id="323" r:id="rId16"/>
+    <p:sldId id="325" r:id="rId17"/>
+    <p:sldId id="328" r:id="rId18"/>
+    <p:sldId id="331" r:id="rId19"/>
+    <p:sldId id="332" r:id="rId20"/>
+    <p:sldId id="333" r:id="rId21"/>
+    <p:sldId id="335" r:id="rId22"/>
+    <p:sldId id="334" r:id="rId23"/>
+    <p:sldId id="336" r:id="rId24"/>
+    <p:sldId id="337" r:id="rId25"/>
+    <p:sldId id="338" r:id="rId26"/>
+    <p:sldId id="339" r:id="rId27"/>
+    <p:sldId id="340" r:id="rId28"/>
+    <p:sldId id="341" r:id="rId29"/>
+    <p:sldId id="342" r:id="rId30"/>
+    <p:sldId id="343" r:id="rId31"/>
+    <p:sldId id="304" r:id="rId32"/>
   </p:sldIdLst>
   <p:sldSz cx="9144000" cy="5143500"/>
   <p:notesSz cx="6858000" cy="9144000"/>
   <p:embeddedFontLst>
     <p:embeddedFont>
       <p:font typeface="PT Sans Narrow" panose="020B0506020203020204"/>
-      <p:regular r:id="rId32"/>
+      <p:regular r:id="rId36"/>
     </p:embeddedFont>
     <p:embeddedFont>
       <p:font typeface="Open Sans" panose="020B0306030504020204"/>
-      <p:regular r:id="rId33"/>
+      <p:regular r:id="rId37"/>
     </p:embeddedFont>
   </p:embeddedFontLst>
   <p:defaultTextStyle>
@@ -1197,115 +1201,6 @@
               </a:spcAft>
               <a:buNone/>
             </a:pPr>
-            <a:r>
-              <a:rPr lang="en-US"/>
-              <a:t>docker run hello-world </a:t>
-            </a:r>
-            <a:endParaRPr lang="en-US"/>
-          </a:p>
-          <a:p>
-            <a:pPr marL="0" lvl="0" indent="0" algn="l" rtl="0">
-              <a:spcBef>
-                <a:spcPts val="0"/>
-              </a:spcBef>
-              <a:spcAft>
-                <a:spcPts val="0"/>
-              </a:spcAft>
-              <a:buNone/>
-            </a:pPr>
-            <a:r>
-              <a:rPr lang="en-US"/>
-              <a:t>That mean we want to starts up a new container with the name hello-world</a:t>
-            </a:r>
-            <a:endParaRPr lang="en-US"/>
-          </a:p>
-          <a:p>
-            <a:pPr marL="0" lvl="0" indent="0" algn="l" rtl="0">
-              <a:spcBef>
-                <a:spcPts val="0"/>
-              </a:spcBef>
-              <a:spcAft>
-                <a:spcPts val="0"/>
-              </a:spcAft>
-              <a:buNone/>
-            </a:pPr>
-            <a:r>
-              <a:rPr lang="en-US"/>
-              <a:t>Docker Client communicate to Docker Server</a:t>
-            </a:r>
-            <a:endParaRPr lang="en-US"/>
-          </a:p>
-          <a:p>
-            <a:pPr marL="0" lvl="0" indent="0" algn="l" rtl="0">
-              <a:spcBef>
-                <a:spcPts val="0"/>
-              </a:spcBef>
-              <a:spcAft>
-                <a:spcPts val="0"/>
-              </a:spcAft>
-              <a:buNone/>
-            </a:pPr>
-            <a:r>
-              <a:rPr lang="en-US"/>
-              <a:t>If the Docker Server found a hello-world container from Images Cache, It will execute it.</a:t>
-            </a:r>
-            <a:endParaRPr lang="en-US"/>
-          </a:p>
-          <a:p>
-            <a:pPr marL="0" lvl="0" indent="0" algn="l" rtl="0">
-              <a:spcBef>
-                <a:spcPts val="0"/>
-              </a:spcBef>
-              <a:spcAft>
-                <a:spcPts val="0"/>
-              </a:spcAft>
-              <a:buNone/>
-            </a:pPr>
-            <a:r>
-              <a:rPr lang="en-US"/>
-              <a:t>If not, It will call to Docker Hub to find hello-world image.</a:t>
-            </a:r>
-            <a:endParaRPr lang="en-US"/>
-          </a:p>
-          <a:p>
-            <a:pPr marL="0" lvl="0" indent="0" algn="l" rtl="0">
-              <a:spcBef>
-                <a:spcPts val="0"/>
-              </a:spcBef>
-              <a:spcAft>
-                <a:spcPts val="0"/>
-              </a:spcAft>
-              <a:buNone/>
-            </a:pPr>
-            <a:r>
-              <a:rPr lang="en-US"/>
-              <a:t>If exists, that image will be downloaded to Images Cache on local machine and run it.</a:t>
-            </a:r>
-            <a:endParaRPr lang="en-US"/>
-          </a:p>
-          <a:p>
-            <a:pPr marL="0" lvl="0" indent="0" algn="l" rtl="0">
-              <a:spcBef>
-                <a:spcPts val="0"/>
-              </a:spcBef>
-              <a:spcAft>
-                <a:spcPts val="0"/>
-              </a:spcAft>
-              <a:buNone/>
-            </a:pPr>
-            <a:endParaRPr lang="en-US"/>
-          </a:p>
-          <a:p>
-            <a:pPr marL="0" lvl="0" indent="0" algn="l" rtl="0">
-              <a:spcBef>
-                <a:spcPts val="0"/>
-              </a:spcBef>
-              <a:spcAft>
-                <a:spcPts val="0"/>
-              </a:spcAft>
-              <a:buNone/>
-            </a:pPr>
-            <a:endParaRPr lang="en-US"/>
           </a:p>
         </p:txBody>
       </p:sp>
@@ -1405,19 +1300,6 @@
               </a:spcAft>
               <a:buNone/>
             </a:pPr>
-            <a:endParaRPr lang="en-US"/>
-          </a:p>
-          <a:p>
-            <a:pPr marL="0" lvl="0" indent="0" algn="l" rtl="0">
-              <a:spcBef>
-                <a:spcPts val="0"/>
-              </a:spcBef>
-              <a:spcAft>
-                <a:spcPts val="0"/>
-              </a:spcAft>
-              <a:buNone/>
-            </a:pPr>
-            <a:endParaRPr lang="en-US"/>
           </a:p>
         </p:txBody>
       </p:sp>
@@ -1517,19 +1399,6 @@
               </a:spcAft>
               <a:buNone/>
             </a:pPr>
-            <a:endParaRPr lang="en-US"/>
-          </a:p>
-          <a:p>
-            <a:pPr marL="0" lvl="0" indent="0" algn="l" rtl="0">
-              <a:spcBef>
-                <a:spcPts val="0"/>
-              </a:spcBef>
-              <a:spcAft>
-                <a:spcPts val="0"/>
-              </a:spcAft>
-              <a:buNone/>
-            </a:pPr>
-            <a:endParaRPr lang="en-US"/>
           </a:p>
         </p:txBody>
       </p:sp>
@@ -1629,19 +1498,6 @@
               </a:spcAft>
               <a:buNone/>
             </a:pPr>
-            <a:endParaRPr lang="en-US"/>
-          </a:p>
-          <a:p>
-            <a:pPr marL="0" lvl="0" indent="0" algn="l" rtl="0">
-              <a:spcBef>
-                <a:spcPts val="0"/>
-              </a:spcBef>
-              <a:spcAft>
-                <a:spcPts val="0"/>
-              </a:spcAft>
-              <a:buNone/>
-            </a:pPr>
-            <a:endParaRPr lang="en-US"/>
           </a:p>
         </p:txBody>
       </p:sp>
@@ -1741,6 +1597,102 @@
               </a:spcAft>
               <a:buNone/>
             </a:pPr>
+            <a:r>
+              <a:rPr lang="en-US"/>
+              <a:t>docker run hello-world </a:t>
+            </a:r>
+            <a:endParaRPr lang="en-US"/>
+          </a:p>
+          <a:p>
+            <a:pPr marL="0" lvl="0" indent="0" algn="l" rtl="0">
+              <a:spcBef>
+                <a:spcPts val="0"/>
+              </a:spcBef>
+              <a:spcAft>
+                <a:spcPts val="0"/>
+              </a:spcAft>
+              <a:buNone/>
+            </a:pPr>
+            <a:r>
+              <a:rPr lang="en-US"/>
+              <a:t>That mean we want to starts up a new container with the name hello-world</a:t>
+            </a:r>
+            <a:endParaRPr lang="en-US"/>
+          </a:p>
+          <a:p>
+            <a:pPr marL="0" lvl="0" indent="0" algn="l" rtl="0">
+              <a:spcBef>
+                <a:spcPts val="0"/>
+              </a:spcBef>
+              <a:spcAft>
+                <a:spcPts val="0"/>
+              </a:spcAft>
+              <a:buNone/>
+            </a:pPr>
+            <a:r>
+              <a:rPr lang="en-US"/>
+              <a:t>Docker Client communicate to Docker Server</a:t>
+            </a:r>
+            <a:endParaRPr lang="en-US"/>
+          </a:p>
+          <a:p>
+            <a:pPr marL="0" lvl="0" indent="0" algn="l" rtl="0">
+              <a:spcBef>
+                <a:spcPts val="0"/>
+              </a:spcBef>
+              <a:spcAft>
+                <a:spcPts val="0"/>
+              </a:spcAft>
+              <a:buNone/>
+            </a:pPr>
+            <a:r>
+              <a:rPr lang="en-US"/>
+              <a:t>If the Docker Server found a hello-world container from Images Cache, It will execute it.</a:t>
+            </a:r>
+            <a:endParaRPr lang="en-US"/>
+          </a:p>
+          <a:p>
+            <a:pPr marL="0" lvl="0" indent="0" algn="l" rtl="0">
+              <a:spcBef>
+                <a:spcPts val="0"/>
+              </a:spcBef>
+              <a:spcAft>
+                <a:spcPts val="0"/>
+              </a:spcAft>
+              <a:buNone/>
+            </a:pPr>
+            <a:r>
+              <a:rPr lang="en-US"/>
+              <a:t>If not, It will call to Docker Hub to find hello-world image.</a:t>
+            </a:r>
+            <a:endParaRPr lang="en-US"/>
+          </a:p>
+          <a:p>
+            <a:pPr marL="0" lvl="0" indent="0" algn="l" rtl="0">
+              <a:spcBef>
+                <a:spcPts val="0"/>
+              </a:spcBef>
+              <a:spcAft>
+                <a:spcPts val="0"/>
+              </a:spcAft>
+              <a:buNone/>
+            </a:pPr>
+            <a:r>
+              <a:rPr lang="en-US"/>
+              <a:t>If exists, that image will be downloaded to Images Cache on local machine and run it.</a:t>
+            </a:r>
+            <a:endParaRPr lang="en-US"/>
+          </a:p>
+          <a:p>
+            <a:pPr marL="0" lvl="0" indent="0" algn="l" rtl="0">
+              <a:spcBef>
+                <a:spcPts val="0"/>
+              </a:spcBef>
+              <a:spcAft>
+                <a:spcPts val="0"/>
+              </a:spcAft>
+              <a:buNone/>
+            </a:pPr>
             <a:endParaRPr lang="en-US"/>
           </a:p>
           <a:p>
@@ -2653,6 +2605,454 @@
   <p:cSld>
     <p:spTree>
       <p:nvGrpSpPr>
+        <p:cNvPr id="74" name="Shape 74"/>
+        <p:cNvGrpSpPr/>
+        <p:nvPr/>
+      </p:nvGrpSpPr>
+      <p:grpSpPr>
+        <a:xfrm>
+          <a:off x="0" y="0"/>
+          <a:ext cx="0" cy="0"/>
+          <a:chOff x="0" y="0"/>
+          <a:chExt cx="0" cy="0"/>
+        </a:xfrm>
+      </p:grpSpPr>
+      <p:sp>
+        <p:nvSpPr>
+          <p:cNvPr id="75" name="Google Shape;75;gcad7496ea3_0_0:notes"/>
+          <p:cNvSpPr/>
+          <p:nvPr>
+            <p:ph type="sldImg" idx="2"/>
+          </p:nvPr>
+        </p:nvSpPr>
+        <p:spPr>
+          <a:xfrm>
+            <a:off x="381300" y="685800"/>
+            <a:ext cx="6096000" cy="3429000"/>
+          </a:xfrm>
+          <a:custGeom>
+            <a:avLst/>
+            <a:gdLst/>
+            <a:ahLst/>
+            <a:cxnLst/>
+            <a:rect l="l" t="t" r="r" b="b"/>
+            <a:pathLst>
+              <a:path w="120000" h="120000" extrusionOk="0">
+                <a:moveTo>
+                  <a:pt x="0" y="0"/>
+                </a:moveTo>
+                <a:lnTo>
+                  <a:pt x="120000" y="0"/>
+                </a:lnTo>
+                <a:lnTo>
+                  <a:pt x="120000" y="120000"/>
+                </a:lnTo>
+                <a:lnTo>
+                  <a:pt x="0" y="120000"/>
+                </a:lnTo>
+                <a:close/>
+              </a:path>
+            </a:pathLst>
+          </a:custGeom>
+        </p:spPr>
+      </p:sp>
+      <p:sp>
+        <p:nvSpPr>
+          <p:cNvPr id="76" name="Google Shape;76;gcad7496ea3_0_0:notes"/>
+          <p:cNvSpPr txBox="1"/>
+          <p:nvPr>
+            <p:ph type="body" idx="1"/>
+          </p:nvPr>
+        </p:nvSpPr>
+        <p:spPr>
+          <a:xfrm>
+            <a:off x="685800" y="4343400"/>
+            <a:ext cx="5486400" cy="4114800"/>
+          </a:xfrm>
+          <a:prstGeom prst="rect">
+            <a:avLst/>
+          </a:prstGeom>
+        </p:spPr>
+        <p:txBody>
+          <a:bodyPr spcFirstLastPara="1" wrap="square" lIns="91425" tIns="91425" rIns="91425" bIns="91425" anchor="t" anchorCtr="0">
+            <a:noAutofit/>
+          </a:bodyPr>
+          <a:lstStyle/>
+          <a:p>
+            <a:pPr marL="0" lvl="0" indent="0" algn="l" rtl="0">
+              <a:spcBef>
+                <a:spcPts val="0"/>
+              </a:spcBef>
+              <a:spcAft>
+                <a:spcPts val="0"/>
+              </a:spcAft>
+              <a:buNone/>
+            </a:pPr>
+            <a:endParaRPr lang="en-US"/>
+          </a:p>
+          <a:p>
+            <a:pPr marL="0" lvl="0" indent="0" algn="l" rtl="0">
+              <a:spcBef>
+                <a:spcPts val="0"/>
+              </a:spcBef>
+              <a:spcAft>
+                <a:spcPts val="0"/>
+              </a:spcAft>
+              <a:buNone/>
+            </a:pPr>
+            <a:endParaRPr lang="en-US"/>
+          </a:p>
+        </p:txBody>
+      </p:sp>
+    </p:spTree>
+  </p:cSld>
+  <p:clrMapOvr>
+    <a:masterClrMapping/>
+  </p:clrMapOvr>
+</p:notes>
+</file>
+
+<file path=ppt/notesSlides/notesSlide26.xml><?xml version="1.0" encoding="utf-8"?>
+<p:notes xmlns:a="http://schemas.openxmlformats.org/drawingml/2006/main" xmlns:r="http://schemas.openxmlformats.org/officeDocument/2006/relationships" xmlns:p="http://schemas.openxmlformats.org/presentationml/2006/main" showMasterPhAnim="0" showMasterSp="0">
+  <p:cSld>
+    <p:spTree>
+      <p:nvGrpSpPr>
+        <p:cNvPr id="74" name="Shape 74"/>
+        <p:cNvGrpSpPr/>
+        <p:nvPr/>
+      </p:nvGrpSpPr>
+      <p:grpSpPr>
+        <a:xfrm>
+          <a:off x="0" y="0"/>
+          <a:ext cx="0" cy="0"/>
+          <a:chOff x="0" y="0"/>
+          <a:chExt cx="0" cy="0"/>
+        </a:xfrm>
+      </p:grpSpPr>
+      <p:sp>
+        <p:nvSpPr>
+          <p:cNvPr id="75" name="Google Shape;75;gcad7496ea3_0_0:notes"/>
+          <p:cNvSpPr/>
+          <p:nvPr>
+            <p:ph type="sldImg" idx="2"/>
+          </p:nvPr>
+        </p:nvSpPr>
+        <p:spPr>
+          <a:xfrm>
+            <a:off x="381300" y="685800"/>
+            <a:ext cx="6096000" cy="3429000"/>
+          </a:xfrm>
+          <a:custGeom>
+            <a:avLst/>
+            <a:gdLst/>
+            <a:ahLst/>
+            <a:cxnLst/>
+            <a:rect l="l" t="t" r="r" b="b"/>
+            <a:pathLst>
+              <a:path w="120000" h="120000" extrusionOk="0">
+                <a:moveTo>
+                  <a:pt x="0" y="0"/>
+                </a:moveTo>
+                <a:lnTo>
+                  <a:pt x="120000" y="0"/>
+                </a:lnTo>
+                <a:lnTo>
+                  <a:pt x="120000" y="120000"/>
+                </a:lnTo>
+                <a:lnTo>
+                  <a:pt x="0" y="120000"/>
+                </a:lnTo>
+                <a:close/>
+              </a:path>
+            </a:pathLst>
+          </a:custGeom>
+        </p:spPr>
+      </p:sp>
+      <p:sp>
+        <p:nvSpPr>
+          <p:cNvPr id="76" name="Google Shape;76;gcad7496ea3_0_0:notes"/>
+          <p:cNvSpPr txBox="1"/>
+          <p:nvPr>
+            <p:ph type="body" idx="1"/>
+          </p:nvPr>
+        </p:nvSpPr>
+        <p:spPr>
+          <a:xfrm>
+            <a:off x="685800" y="4343400"/>
+            <a:ext cx="5486400" cy="4114800"/>
+          </a:xfrm>
+          <a:prstGeom prst="rect">
+            <a:avLst/>
+          </a:prstGeom>
+        </p:spPr>
+        <p:txBody>
+          <a:bodyPr spcFirstLastPara="1" wrap="square" lIns="91425" tIns="91425" rIns="91425" bIns="91425" anchor="t" anchorCtr="0">
+            <a:noAutofit/>
+          </a:bodyPr>
+          <a:lstStyle/>
+          <a:p>
+            <a:pPr marL="0" lvl="0" indent="0" algn="l" rtl="0">
+              <a:spcBef>
+                <a:spcPts val="0"/>
+              </a:spcBef>
+              <a:spcAft>
+                <a:spcPts val="0"/>
+              </a:spcAft>
+              <a:buNone/>
+            </a:pPr>
+            <a:endParaRPr lang="en-US"/>
+          </a:p>
+          <a:p>
+            <a:pPr marL="0" lvl="0" indent="0" algn="l" rtl="0">
+              <a:spcBef>
+                <a:spcPts val="0"/>
+              </a:spcBef>
+              <a:spcAft>
+                <a:spcPts val="0"/>
+              </a:spcAft>
+              <a:buNone/>
+            </a:pPr>
+            <a:endParaRPr lang="en-US"/>
+          </a:p>
+        </p:txBody>
+      </p:sp>
+    </p:spTree>
+  </p:cSld>
+  <p:clrMapOvr>
+    <a:masterClrMapping/>
+  </p:clrMapOvr>
+</p:notes>
+</file>
+
+<file path=ppt/notesSlides/notesSlide27.xml><?xml version="1.0" encoding="utf-8"?>
+<p:notes xmlns:a="http://schemas.openxmlformats.org/drawingml/2006/main" xmlns:r="http://schemas.openxmlformats.org/officeDocument/2006/relationships" xmlns:p="http://schemas.openxmlformats.org/presentationml/2006/main" showMasterPhAnim="0" showMasterSp="0">
+  <p:cSld>
+    <p:spTree>
+      <p:nvGrpSpPr>
+        <p:cNvPr id="74" name="Shape 74"/>
+        <p:cNvGrpSpPr/>
+        <p:nvPr/>
+      </p:nvGrpSpPr>
+      <p:grpSpPr>
+        <a:xfrm>
+          <a:off x="0" y="0"/>
+          <a:ext cx="0" cy="0"/>
+          <a:chOff x="0" y="0"/>
+          <a:chExt cx="0" cy="0"/>
+        </a:xfrm>
+      </p:grpSpPr>
+      <p:sp>
+        <p:nvSpPr>
+          <p:cNvPr id="75" name="Google Shape;75;gcad7496ea3_0_0:notes"/>
+          <p:cNvSpPr/>
+          <p:nvPr>
+            <p:ph type="sldImg" idx="2"/>
+          </p:nvPr>
+        </p:nvSpPr>
+        <p:spPr>
+          <a:xfrm>
+            <a:off x="381300" y="685800"/>
+            <a:ext cx="6096000" cy="3429000"/>
+          </a:xfrm>
+          <a:custGeom>
+            <a:avLst/>
+            <a:gdLst/>
+            <a:ahLst/>
+            <a:cxnLst/>
+            <a:rect l="l" t="t" r="r" b="b"/>
+            <a:pathLst>
+              <a:path w="120000" h="120000" extrusionOk="0">
+                <a:moveTo>
+                  <a:pt x="0" y="0"/>
+                </a:moveTo>
+                <a:lnTo>
+                  <a:pt x="120000" y="0"/>
+                </a:lnTo>
+                <a:lnTo>
+                  <a:pt x="120000" y="120000"/>
+                </a:lnTo>
+                <a:lnTo>
+                  <a:pt x="0" y="120000"/>
+                </a:lnTo>
+                <a:close/>
+              </a:path>
+            </a:pathLst>
+          </a:custGeom>
+        </p:spPr>
+      </p:sp>
+      <p:sp>
+        <p:nvSpPr>
+          <p:cNvPr id="76" name="Google Shape;76;gcad7496ea3_0_0:notes"/>
+          <p:cNvSpPr txBox="1"/>
+          <p:nvPr>
+            <p:ph type="body" idx="1"/>
+          </p:nvPr>
+        </p:nvSpPr>
+        <p:spPr>
+          <a:xfrm>
+            <a:off x="685800" y="4343400"/>
+            <a:ext cx="5486400" cy="4114800"/>
+          </a:xfrm>
+          <a:prstGeom prst="rect">
+            <a:avLst/>
+          </a:prstGeom>
+        </p:spPr>
+        <p:txBody>
+          <a:bodyPr spcFirstLastPara="1" wrap="square" lIns="91425" tIns="91425" rIns="91425" bIns="91425" anchor="t" anchorCtr="0">
+            <a:noAutofit/>
+          </a:bodyPr>
+          <a:lstStyle/>
+          <a:p>
+            <a:pPr marL="0" lvl="0" indent="0" algn="l" rtl="0">
+              <a:spcBef>
+                <a:spcPts val="0"/>
+              </a:spcBef>
+              <a:spcAft>
+                <a:spcPts val="0"/>
+              </a:spcAft>
+              <a:buNone/>
+            </a:pPr>
+            <a:endParaRPr lang="en-US"/>
+          </a:p>
+          <a:p>
+            <a:pPr marL="0" lvl="0" indent="0" algn="l" rtl="0">
+              <a:spcBef>
+                <a:spcPts val="0"/>
+              </a:spcBef>
+              <a:spcAft>
+                <a:spcPts val="0"/>
+              </a:spcAft>
+              <a:buNone/>
+            </a:pPr>
+            <a:endParaRPr lang="en-US"/>
+          </a:p>
+        </p:txBody>
+      </p:sp>
+    </p:spTree>
+  </p:cSld>
+  <p:clrMapOvr>
+    <a:masterClrMapping/>
+  </p:clrMapOvr>
+</p:notes>
+</file>
+
+<file path=ppt/notesSlides/notesSlide28.xml><?xml version="1.0" encoding="utf-8"?>
+<p:notes xmlns:a="http://schemas.openxmlformats.org/drawingml/2006/main" xmlns:r="http://schemas.openxmlformats.org/officeDocument/2006/relationships" xmlns:p="http://schemas.openxmlformats.org/presentationml/2006/main" showMasterPhAnim="0" showMasterSp="0">
+  <p:cSld>
+    <p:spTree>
+      <p:nvGrpSpPr>
+        <p:cNvPr id="74" name="Shape 74"/>
+        <p:cNvGrpSpPr/>
+        <p:nvPr/>
+      </p:nvGrpSpPr>
+      <p:grpSpPr>
+        <a:xfrm>
+          <a:off x="0" y="0"/>
+          <a:ext cx="0" cy="0"/>
+          <a:chOff x="0" y="0"/>
+          <a:chExt cx="0" cy="0"/>
+        </a:xfrm>
+      </p:grpSpPr>
+      <p:sp>
+        <p:nvSpPr>
+          <p:cNvPr id="75" name="Google Shape;75;gcad7496ea3_0_0:notes"/>
+          <p:cNvSpPr/>
+          <p:nvPr>
+            <p:ph type="sldImg" idx="2"/>
+          </p:nvPr>
+        </p:nvSpPr>
+        <p:spPr>
+          <a:xfrm>
+            <a:off x="381300" y="685800"/>
+            <a:ext cx="6096000" cy="3429000"/>
+          </a:xfrm>
+          <a:custGeom>
+            <a:avLst/>
+            <a:gdLst/>
+            <a:ahLst/>
+            <a:cxnLst/>
+            <a:rect l="l" t="t" r="r" b="b"/>
+            <a:pathLst>
+              <a:path w="120000" h="120000" extrusionOk="0">
+                <a:moveTo>
+                  <a:pt x="0" y="0"/>
+                </a:moveTo>
+                <a:lnTo>
+                  <a:pt x="120000" y="0"/>
+                </a:lnTo>
+                <a:lnTo>
+                  <a:pt x="120000" y="120000"/>
+                </a:lnTo>
+                <a:lnTo>
+                  <a:pt x="0" y="120000"/>
+                </a:lnTo>
+                <a:close/>
+              </a:path>
+            </a:pathLst>
+          </a:custGeom>
+        </p:spPr>
+      </p:sp>
+      <p:sp>
+        <p:nvSpPr>
+          <p:cNvPr id="76" name="Google Shape;76;gcad7496ea3_0_0:notes"/>
+          <p:cNvSpPr txBox="1"/>
+          <p:nvPr>
+            <p:ph type="body" idx="1"/>
+          </p:nvPr>
+        </p:nvSpPr>
+        <p:spPr>
+          <a:xfrm>
+            <a:off x="685800" y="4343400"/>
+            <a:ext cx="5486400" cy="4114800"/>
+          </a:xfrm>
+          <a:prstGeom prst="rect">
+            <a:avLst/>
+          </a:prstGeom>
+        </p:spPr>
+        <p:txBody>
+          <a:bodyPr spcFirstLastPara="1" wrap="square" lIns="91425" tIns="91425" rIns="91425" bIns="91425" anchor="t" anchorCtr="0">
+            <a:noAutofit/>
+          </a:bodyPr>
+          <a:lstStyle/>
+          <a:p>
+            <a:pPr marL="0" lvl="0" indent="0" algn="l" rtl="0">
+              <a:spcBef>
+                <a:spcPts val="0"/>
+              </a:spcBef>
+              <a:spcAft>
+                <a:spcPts val="0"/>
+              </a:spcAft>
+              <a:buNone/>
+            </a:pPr>
+            <a:endParaRPr lang="en-US"/>
+          </a:p>
+          <a:p>
+            <a:pPr marL="0" lvl="0" indent="0" algn="l" rtl="0">
+              <a:spcBef>
+                <a:spcPts val="0"/>
+              </a:spcBef>
+              <a:spcAft>
+                <a:spcPts val="0"/>
+              </a:spcAft>
+              <a:buNone/>
+            </a:pPr>
+            <a:endParaRPr lang="en-US"/>
+          </a:p>
+        </p:txBody>
+      </p:sp>
+    </p:spTree>
+  </p:cSld>
+  <p:clrMapOvr>
+    <a:masterClrMapping/>
+  </p:clrMapOvr>
+</p:notes>
+</file>
+
+<file path=ppt/notesSlides/notesSlide29.xml><?xml version="1.0" encoding="utf-8"?>
+<p:notes xmlns:a="http://schemas.openxmlformats.org/drawingml/2006/main" xmlns:r="http://schemas.openxmlformats.org/officeDocument/2006/relationships" xmlns:p="http://schemas.openxmlformats.org/presentationml/2006/main" showMasterPhAnim="0" showMasterSp="0">
+  <p:cSld>
+    <p:spTree>
+      <p:nvGrpSpPr>
         <p:cNvPr id="447" name="Shape 447"/>
         <p:cNvGrpSpPr/>
         <p:nvPr/>
@@ -2934,6 +3334,27 @@
               </a:spcAft>
               <a:buNone/>
             </a:pPr>
+            <a:r>
+              <a:rPr lang="en-US"/>
+              <a:t>- Writing a software in a docker-wrapped development environment will save your time configuring or sharing that invironment, because from the perspective of you software, every environment is the same.</a:t>
+            </a:r>
+            <a:endParaRPr lang="en-US"/>
+          </a:p>
+          <a:p>
+            <a:pPr marL="0" lvl="0" indent="0" algn="l" rtl="0">
+              <a:spcBef>
+                <a:spcPts val="0"/>
+              </a:spcBef>
+              <a:spcAft>
+                <a:spcPts val="0"/>
+              </a:spcAft>
+              <a:buNone/>
+            </a:pPr>
+            <a:r>
+              <a:rPr lang="en-US"/>
+              <a:t>- Docker is not a programming language, and it is not a framework for building software. Docker is a tool that helps solve common problems like installing, removing, upgrading, distribuiting, trusting, managing software.</a:t>
+            </a:r>
+            <a:endParaRPr lang="en-US"/>
           </a:p>
         </p:txBody>
       </p:sp>
@@ -3132,6 +3553,11 @@
               </a:spcAft>
               <a:buNone/>
             </a:pPr>
+            <a:r>
+              <a:rPr lang="en-US"/>
+              <a:t>- Replace Virtual Machines: You only care about the application, not the operatiing system. Its more lightweight to move around and easy to change and share to others.</a:t>
+            </a:r>
+            <a:endParaRPr lang="en-US"/>
           </a:p>
         </p:txBody>
       </p:sp>
@@ -3231,6 +3657,7 @@
               </a:spcAft>
               <a:buNone/>
             </a:pPr>
+            <a:endParaRPr lang="en-US"/>
           </a:p>
         </p:txBody>
       </p:sp>
@@ -3330,6 +3757,7 @@
               </a:spcAft>
               <a:buNone/>
             </a:pPr>
+            <a:endParaRPr lang="en-US"/>
           </a:p>
         </p:txBody>
       </p:sp>
@@ -3429,6 +3857,7 @@
               </a:spcAft>
               <a:buNone/>
             </a:pPr>
+            <a:endParaRPr lang="en-US"/>
           </a:p>
         </p:txBody>
       </p:sp>
@@ -8855,7 +9284,7 @@
             </a:pPr>
             <a:r>
               <a:rPr lang="en-US" altLang="en-GB"/>
-              <a:t>Docker</a:t>
+              <a:t>Docker Introduction</a:t>
             </a:r>
             <a:endParaRPr lang="en-US" altLang="en-GB"/>
           </a:p>
@@ -8963,7 +9392,7 @@
               <a:rPr lang="en-US" sz="2935">
                 <a:sym typeface="+mn-ea"/>
               </a:rPr>
-              <a:t>Docker Architechture - Registry</a:t>
+              <a:t>Containers vs Virtual Machines</a:t>
             </a:r>
             <a:endParaRPr lang="en-US" sz="2940" b="0">
               <a:solidFill>
@@ -8983,8 +9412,8 @@
         </p:nvSpPr>
         <p:spPr>
           <a:xfrm>
-            <a:off x="311785" y="831215"/>
-            <a:ext cx="4970780" cy="3736975"/>
+            <a:off x="311785" y="3151505"/>
+            <a:ext cx="8520430" cy="1417320"/>
           </a:xfrm>
           <a:prstGeom prst="rect">
             <a:avLst/>
@@ -9010,7 +9439,7 @@
               <a:rPr lang="en-US" altLang="en-GB" b="1">
                 <a:sym typeface="+mn-ea"/>
               </a:rPr>
-              <a:t>A Docker registry stores Docker Images</a:t>
+              <a:t>Both of them are similar resource isolation and allocation benefits</a:t>
             </a:r>
             <a:endParaRPr lang="en-US" altLang="en-GB" b="1">
               <a:sym typeface="+mn-ea"/>
@@ -9031,28 +9460,7 @@
               <a:rPr lang="en-US" altLang="en-GB" b="1">
                 <a:sym typeface="+mn-ea"/>
               </a:rPr>
-              <a:t>Docker Hub is a public registry that anyone can use</a:t>
-            </a:r>
-            <a:endParaRPr lang="en-US" altLang="en-GB" b="1">
-              <a:sym typeface="+mn-ea"/>
-            </a:endParaRPr>
-          </a:p>
-          <a:p>
-            <a:pPr marL="457200" lvl="0" indent="-342900" algn="l" rtl="0">
-              <a:spcBef>
-                <a:spcPts val="0"/>
-              </a:spcBef>
-              <a:spcAft>
-                <a:spcPts val="0"/>
-              </a:spcAft>
-              <a:buSzPts val="1800"/>
-              <a:buChar char="+"/>
-            </a:pPr>
-            <a:r>
-              <a:rPr lang="en-US" altLang="en-GB" b="1">
-                <a:sym typeface="+mn-ea"/>
-              </a:rPr>
-              <a:t>Docker is configured to look for images on Docker Hub by default</a:t>
+              <a:t>The Container virtualizes the operating system instead of hardware. Containers are more portable, lightweight, and efficient</a:t>
             </a:r>
             <a:endParaRPr lang="en-US" b="1">
               <a:solidFill>
@@ -9078,8 +9486,8 @@
         </p:blipFill>
         <p:spPr>
           <a:xfrm>
-            <a:off x="5437505" y="831215"/>
-            <a:ext cx="3218815" cy="3079750"/>
+            <a:off x="1691640" y="831215"/>
+            <a:ext cx="5487670" cy="2263140"/>
           </a:xfrm>
           <a:prstGeom prst="rect">
             <a:avLst/>
@@ -9148,7 +9556,7 @@
               <a:rPr lang="en-US" sz="2935">
                 <a:sym typeface="+mn-ea"/>
               </a:rPr>
-              <a:t>Docker Installation</a:t>
+              <a:t>Docker Architechture</a:t>
             </a:r>
             <a:endParaRPr lang="en-US" sz="2940" b="0">
               <a:solidFill>
@@ -9169,7 +9577,7 @@
         <p:spPr>
           <a:xfrm>
             <a:off x="311785" y="831215"/>
-            <a:ext cx="8216265" cy="3736975"/>
+            <a:ext cx="4681855" cy="3736975"/>
           </a:xfrm>
           <a:prstGeom prst="rect">
             <a:avLst/>
@@ -9177,7 +9585,7 @@
         </p:spPr>
         <p:txBody>
           <a:bodyPr spcFirstLastPara="1" wrap="square" lIns="91425" tIns="91425" rIns="91425" bIns="91425" anchor="t" anchorCtr="0">
-            <a:normAutofit/>
+            <a:normAutofit fontScale="80000"/>
           </a:bodyPr>
           <a:lstStyle/>
           <a:p>
@@ -9195,18 +9603,10 @@
               <a:rPr lang="en-US" altLang="en-GB" b="1">
                 <a:sym typeface="+mn-ea"/>
               </a:rPr>
-              <a:t>Windows 10 Pro and some Windows 10 Home users will be able to install Docker desktop if their computer supports the </a:t>
-            </a:r>
-            <a:r>
-              <a:rPr lang="en-US" altLang="en-GB" b="1">
-                <a:sym typeface="+mn-ea"/>
-                <a:hlinkClick r:id="rId1" action="ppaction://hlinkfile"/>
-              </a:rPr>
-              <a:t>Windows Subsystem for Linux (WSL2)</a:t>
+              <a:t>Uses a client-server architechture</a:t>
             </a:r>
             <a:endParaRPr lang="en-US" altLang="en-GB" b="1">
               <a:sym typeface="+mn-ea"/>
-              <a:hlinkClick r:id="rId1" action="ppaction://hlinkfile"/>
             </a:endParaRPr>
           </a:p>
           <a:p>
@@ -9224,14 +9624,7 @@
               <a:rPr lang="en-US" altLang="en-GB" b="1">
                 <a:sym typeface="+mn-ea"/>
               </a:rPr>
-              <a:t>After completely installed WSL2, Then install </a:t>
-            </a:r>
-            <a:r>
-              <a:rPr lang="en-US" altLang="en-GB" b="1">
-                <a:sym typeface="+mn-ea"/>
-                <a:hlinkClick r:id="rId2" action="ppaction://hlinkfile"/>
-              </a:rPr>
-              <a:t>Docker Desktop</a:t>
+              <a:t>Docker Client talks to Docker Daemon, which does the heavy lifting fo building, running, and distributing your docker containers.</a:t>
             </a:r>
             <a:endParaRPr lang="en-US" altLang="en-GB" b="1">
               <a:sym typeface="+mn-ea"/>
@@ -9252,20 +9645,49 @@
               <a:rPr lang="en-US" altLang="en-GB" b="1">
                 <a:sym typeface="+mn-ea"/>
               </a:rPr>
-              <a:t>If you are Windows 10, You can download </a:t>
+              <a:t>Docker client and Deamon can run on the same system or you can connect a docker client to a remote docker deamon.</a:t>
             </a:r>
-            <a:r>
-              <a:rPr lang="en-US" altLang="en-GB" b="1">
-                <a:sym typeface="+mn-ea"/>
-                <a:hlinkClick r:id="rId3" action="ppaction://hlinkfile"/>
-              </a:rPr>
-              <a:t>Docker Toolbox</a:t>
-            </a:r>
+            <a:endParaRPr lang="en-US" altLang="en-GB" b="1">
+              <a:sym typeface="+mn-ea"/>
+            </a:endParaRPr>
+          </a:p>
+          <a:p>
+            <a:pPr marL="457200" lvl="0" indent="-342900" algn="l" rtl="0">
+              <a:spcBef>
+                <a:spcPts val="0"/>
+              </a:spcBef>
+              <a:spcAft>
+                <a:spcPts val="0"/>
+              </a:spcAft>
+              <a:buSzPts val="1800"/>
+              <a:buChar char="+"/>
+            </a:pPr>
             <a:r>
               <a:rPr lang="en-US" altLang="en-GB" b="1">
                 <a:sym typeface="+mn-ea"/>
               </a:rPr>
-              <a:t> </a:t>
+              <a:t>Docker client and daemon communicate using a REST API, over UNIX sockets or a network interface</a:t>
+            </a:r>
+            <a:endParaRPr lang="en-US" altLang="en-GB" b="1">
+              <a:sym typeface="+mn-ea"/>
+            </a:endParaRPr>
+          </a:p>
+          <a:p>
+            <a:pPr marL="457200" lvl="0" indent="-342900" algn="l" rtl="0">
+              <a:spcBef>
+                <a:spcPts val="0"/>
+              </a:spcBef>
+              <a:spcAft>
+                <a:spcPts val="0"/>
+              </a:spcAft>
+              <a:buSzPts val="1800"/>
+              <a:buChar char="+"/>
+            </a:pPr>
+            <a:r>
+              <a:rPr lang="en-US" altLang="en-GB" b="1">
+                <a:sym typeface="+mn-ea"/>
+              </a:rPr>
+              <a:t>Another docker client is Docker Compose, that lets you work with applications consisting of a set of containers</a:t>
             </a:r>
             <a:endParaRPr lang="en-US" b="1">
               <a:solidFill>
@@ -9275,6 +9697,30 @@
           </a:p>
         </p:txBody>
       </p:sp>
+      <p:pic>
+        <p:nvPicPr>
+          <p:cNvPr id="2" name="Picture 1"/>
+          <p:cNvPicPr>
+            <a:picLocks noChangeAspect="1"/>
+          </p:cNvPicPr>
+          <p:nvPr/>
+        </p:nvPicPr>
+        <p:blipFill>
+          <a:blip r:embed="rId1"/>
+          <a:stretch>
+            <a:fillRect/>
+          </a:stretch>
+        </p:blipFill>
+        <p:spPr>
+          <a:xfrm>
+            <a:off x="4993640" y="831215"/>
+            <a:ext cx="3888740" cy="2035175"/>
+          </a:xfrm>
+          <a:prstGeom prst="rect">
+            <a:avLst/>
+          </a:prstGeom>
+        </p:spPr>
+      </p:pic>
     </p:spTree>
   </p:cSld>
   <p:clrMapOvr>
@@ -9337,7 +9783,7 @@
               <a:rPr lang="en-US" sz="2935">
                 <a:sym typeface="+mn-ea"/>
               </a:rPr>
-              <a:t>Using Docker Client - docker version</a:t>
+              <a:t>Docker Architechture - Docker client</a:t>
             </a:r>
             <a:endParaRPr lang="en-US" sz="2940" b="0">
               <a:solidFill>
@@ -9358,7 +9804,7 @@
         <p:spPr>
           <a:xfrm>
             <a:off x="311785" y="831215"/>
-            <a:ext cx="3862705" cy="3736975"/>
+            <a:ext cx="5002530" cy="3736975"/>
           </a:xfrm>
           <a:prstGeom prst="rect">
             <a:avLst/>
@@ -9384,7 +9830,7 @@
               <a:rPr lang="en-US" altLang="en-GB" b="1">
                 <a:sym typeface="+mn-ea"/>
               </a:rPr>
-              <a:t>“docker version” command</a:t>
+              <a:t>Docker client is the primary way that many docker users interact with Docker by using a command</a:t>
             </a:r>
             <a:endParaRPr lang="en-US" altLang="en-GB" b="1">
               <a:sym typeface="+mn-ea"/>
@@ -9405,7 +9851,7 @@
               <a:rPr lang="en-US" altLang="en-GB" b="1">
                 <a:sym typeface="+mn-ea"/>
               </a:rPr>
-              <a:t>Check the docker version settup on the local machine</a:t>
+              <a:t>The docker command use the Docker API</a:t>
             </a:r>
             <a:endParaRPr lang="en-US" altLang="en-GB" b="1">
               <a:sym typeface="+mn-ea"/>
@@ -9421,6 +9867,27 @@
               </a:spcAft>
               <a:buSzPts val="1800"/>
               <a:buChar char="+"/>
+            </a:pPr>
+            <a:r>
+              <a:rPr lang="en-US" altLang="en-GB" b="1">
+                <a:sym typeface="+mn-ea"/>
+              </a:rPr>
+              <a:t>The docker client can communicate with other than one daemon</a:t>
+            </a:r>
+            <a:endParaRPr lang="en-US" altLang="en-GB" b="1">
+              <a:sym typeface="+mn-ea"/>
+            </a:endParaRPr>
+          </a:p>
+          <a:p>
+            <a:pPr marL="114300" lvl="0" indent="0" algn="l" rtl="0">
+              <a:spcBef>
+                <a:spcPts val="0"/>
+              </a:spcBef>
+              <a:spcAft>
+                <a:spcPts val="0"/>
+              </a:spcAft>
+              <a:buSzPts val="1800"/>
+              <a:buNone/>
             </a:pPr>
             <a:endParaRPr lang="en-US" b="1">
               <a:solidFill>
@@ -9446,8 +9913,8 @@
         </p:blipFill>
         <p:spPr>
           <a:xfrm>
-            <a:off x="4758690" y="831215"/>
-            <a:ext cx="3947795" cy="3795395"/>
+            <a:off x="5547995" y="905510"/>
+            <a:ext cx="3133090" cy="3159760"/>
           </a:xfrm>
           <a:prstGeom prst="rect">
             <a:avLst/>
@@ -9516,7 +9983,7 @@
               <a:rPr lang="en-US" sz="2935">
                 <a:sym typeface="+mn-ea"/>
               </a:rPr>
-              <a:t>Using Docker Client - docker run hello-world</a:t>
+              <a:t>Docker Architechture - Docker daemon</a:t>
             </a:r>
             <a:endParaRPr lang="en-US" sz="2940" b="0">
               <a:solidFill>
@@ -9537,7 +10004,7 @@
         <p:spPr>
           <a:xfrm>
             <a:off x="311785" y="831215"/>
-            <a:ext cx="5036185" cy="3736975"/>
+            <a:ext cx="4981575" cy="3736975"/>
           </a:xfrm>
           <a:prstGeom prst="rect">
             <a:avLst/>
@@ -9563,7 +10030,7 @@
               <a:rPr lang="en-US" altLang="en-GB" b="1">
                 <a:sym typeface="+mn-ea"/>
               </a:rPr>
-              <a:t>“docker version” command</a:t>
+              <a:t>Docker Daemon listens for Docker APIs requests and manages Docker objects such as images, containers, networks and volumes</a:t>
             </a:r>
             <a:endParaRPr lang="en-US" altLang="en-GB" b="1">
               <a:sym typeface="+mn-ea"/>
@@ -9584,7 +10051,7 @@
               <a:rPr lang="en-US" altLang="en-GB" b="1">
                 <a:sym typeface="+mn-ea"/>
               </a:rPr>
-              <a:t>Check the docker version settup on the local machine</a:t>
+              <a:t>A docker daemon can also communicate with other daemons to manage docker services</a:t>
             </a:r>
             <a:endParaRPr lang="en-US" altLang="en-GB" b="1">
               <a:sym typeface="+mn-ea"/>
@@ -9625,8 +10092,8 @@
         </p:blipFill>
         <p:spPr>
           <a:xfrm>
-            <a:off x="311785" y="714375"/>
-            <a:ext cx="7896225" cy="3714750"/>
+            <a:off x="5711825" y="831215"/>
+            <a:ext cx="3072765" cy="3546475"/>
           </a:xfrm>
           <a:prstGeom prst="rect">
             <a:avLst/>
@@ -9695,7 +10162,7 @@
               <a:rPr lang="en-US" sz="2935">
                 <a:sym typeface="+mn-ea"/>
               </a:rPr>
-              <a:t>Docker containers</a:t>
+              <a:t>Docker Architechture - Registry</a:t>
             </a:r>
             <a:endParaRPr lang="en-US" sz="2940" b="0">
               <a:solidFill>
@@ -9716,7 +10183,7 @@
         <p:spPr>
           <a:xfrm>
             <a:off x="311785" y="831215"/>
-            <a:ext cx="5036185" cy="3736975"/>
+            <a:ext cx="4970780" cy="3736975"/>
           </a:xfrm>
           <a:prstGeom prst="rect">
             <a:avLst/>
@@ -9742,7 +10209,49 @@
               <a:rPr lang="en-US" altLang="en-GB" b="1">
                 <a:sym typeface="+mn-ea"/>
               </a:rPr>
-              <a:t>How operating system run in a local</a:t>
+              <a:t>A Docker registry stores Docker Images</a:t>
+            </a:r>
+            <a:endParaRPr lang="en-US" altLang="en-GB" b="1">
+              <a:sym typeface="+mn-ea"/>
+            </a:endParaRPr>
+          </a:p>
+          <a:p>
+            <a:pPr marL="457200" lvl="0" indent="-342900" algn="l" rtl="0">
+              <a:spcBef>
+                <a:spcPts val="0"/>
+              </a:spcBef>
+              <a:spcAft>
+                <a:spcPts val="0"/>
+              </a:spcAft>
+              <a:buSzPts val="1800"/>
+              <a:buChar char="+"/>
+            </a:pPr>
+            <a:r>
+              <a:rPr lang="en-US" altLang="en-GB" b="1">
+                <a:sym typeface="+mn-ea"/>
+              </a:rPr>
+              <a:t>Docker Hub is a public registry that anyone can use</a:t>
+            </a:r>
+            <a:endParaRPr lang="en-US" altLang="en-GB" b="1">
+              <a:sym typeface="+mn-ea"/>
+            </a:endParaRPr>
+          </a:p>
+          <a:p>
+            <a:pPr marL="457200" lvl="0" indent="-342900" algn="l" rtl="0">
+              <a:spcBef>
+                <a:spcPts val="0"/>
+              </a:spcBef>
+              <a:spcAft>
+                <a:spcPts val="0"/>
+              </a:spcAft>
+              <a:buSzPts val="1800"/>
+              <a:buChar char="+"/>
+            </a:pPr>
+            <a:r>
+              <a:rPr lang="en-US" altLang="en-GB" b="1">
+                <a:sym typeface="+mn-ea"/>
+              </a:rPr>
+              <a:t>Docker is configured to look for images on Docker Hub by default</a:t>
             </a:r>
             <a:endParaRPr lang="en-US" b="1">
               <a:solidFill>
@@ -9754,7 +10263,7 @@
       </p:sp>
       <p:pic>
         <p:nvPicPr>
-          <p:cNvPr id="4" name="Picture 3"/>
+          <p:cNvPr id="2" name="Picture 1"/>
           <p:cNvPicPr>
             <a:picLocks noChangeAspect="1"/>
           </p:cNvPicPr>
@@ -9768,8 +10277,8 @@
         </p:blipFill>
         <p:spPr>
           <a:xfrm>
-            <a:off x="1546225" y="1418590"/>
-            <a:ext cx="6051550" cy="3342640"/>
+            <a:off x="5437505" y="831215"/>
+            <a:ext cx="3218815" cy="3079750"/>
           </a:xfrm>
           <a:prstGeom prst="rect">
             <a:avLst/>
@@ -9838,7 +10347,7 @@
               <a:rPr lang="en-US" sz="2935">
                 <a:sym typeface="+mn-ea"/>
               </a:rPr>
-              <a:t>Docker containers</a:t>
+              <a:t>Docker Installation</a:t>
             </a:r>
             <a:endParaRPr lang="en-US" sz="2940" b="0">
               <a:solidFill>
@@ -9859,7 +10368,7 @@
         <p:spPr>
           <a:xfrm>
             <a:off x="311785" y="831215"/>
-            <a:ext cx="4689475" cy="3736975"/>
+            <a:ext cx="8216265" cy="3736975"/>
           </a:xfrm>
           <a:prstGeom prst="rect">
             <a:avLst/>
@@ -9885,7 +10394,77 @@
               <a:rPr lang="en-US" altLang="en-GB" b="1">
                 <a:sym typeface="+mn-ea"/>
               </a:rPr>
-              <a:t>How operating system run in a local</a:t>
+              <a:t>Windows 10 Pro and some Windows 10 Home users will be able to install Docker desktop if their computer supports the </a:t>
+            </a:r>
+            <a:r>
+              <a:rPr lang="en-US" altLang="en-GB" b="1">
+                <a:sym typeface="+mn-ea"/>
+                <a:hlinkClick r:id="rId1" action="ppaction://hlinkfile"/>
+              </a:rPr>
+              <a:t>Windows Subsystem for Linux (WSL2)</a:t>
+            </a:r>
+            <a:endParaRPr lang="en-US" altLang="en-GB" b="1">
+              <a:sym typeface="+mn-ea"/>
+              <a:hlinkClick r:id="rId1" action="ppaction://hlinkfile"/>
+            </a:endParaRPr>
+          </a:p>
+          <a:p>
+            <a:pPr marL="457200" lvl="0" indent="-342900" algn="l" rtl="0">
+              <a:spcBef>
+                <a:spcPts val="0"/>
+              </a:spcBef>
+              <a:spcAft>
+                <a:spcPts val="0"/>
+              </a:spcAft>
+              <a:buSzPts val="1800"/>
+              <a:buChar char="+"/>
+            </a:pPr>
+            <a:r>
+              <a:rPr lang="en-US" altLang="en-GB" b="1">
+                <a:sym typeface="+mn-ea"/>
+              </a:rPr>
+              <a:t>After completely installed WSL2, Then install </a:t>
+            </a:r>
+            <a:r>
+              <a:rPr lang="en-US" altLang="en-GB" b="1">
+                <a:sym typeface="+mn-ea"/>
+                <a:hlinkClick r:id="rId2" action="ppaction://hlinkfile"/>
+              </a:rPr>
+              <a:t>Docker Desktop</a:t>
+            </a:r>
+            <a:endParaRPr lang="en-US" altLang="en-GB" b="1">
+              <a:sym typeface="+mn-ea"/>
+            </a:endParaRPr>
+          </a:p>
+          <a:p>
+            <a:pPr marL="457200" lvl="0" indent="-342900" algn="l" rtl="0">
+              <a:spcBef>
+                <a:spcPts val="0"/>
+              </a:spcBef>
+              <a:spcAft>
+                <a:spcPts val="0"/>
+              </a:spcAft>
+              <a:buSzPts val="1800"/>
+              <a:buChar char="+"/>
+            </a:pPr>
+            <a:r>
+              <a:rPr lang="en-US" altLang="en-GB" b="1">
+                <a:sym typeface="+mn-ea"/>
+              </a:rPr>
+              <a:t>If you are Windows 10, You can download </a:t>
+            </a:r>
+            <a:r>
+              <a:rPr lang="en-US" altLang="en-GB" b="1">
+                <a:sym typeface="+mn-ea"/>
+                <a:hlinkClick r:id="rId3" action="ppaction://hlinkfile"/>
+              </a:rPr>
+              <a:t>Docker Toolbox</a:t>
+            </a:r>
+            <a:r>
+              <a:rPr lang="en-US" altLang="en-GB" b="1">
+                <a:sym typeface="+mn-ea"/>
+              </a:rPr>
+              <a:t> </a:t>
             </a:r>
             <a:endParaRPr lang="en-US" b="1">
               <a:solidFill>
@@ -9893,55 +10472,8 @@
               </a:solidFill>
             </a:endParaRPr>
           </a:p>
-          <a:p>
-            <a:pPr marL="457200" lvl="0" indent="-342900" algn="l" rtl="0">
-              <a:spcBef>
-                <a:spcPts val="0"/>
-              </a:spcBef>
-              <a:spcAft>
-                <a:spcPts val="0"/>
-              </a:spcAft>
-              <a:buSzPts val="1800"/>
-              <a:buChar char="+"/>
-            </a:pPr>
-            <a:r>
-              <a:rPr lang="en-US" altLang="en-GB" b="1">
-                <a:sym typeface="+mn-ea"/>
-              </a:rPr>
-              <a:t>The difference versions on the system</a:t>
-            </a:r>
-            <a:endParaRPr lang="en-US" b="1">
-              <a:solidFill>
-                <a:srgbClr val="B45F06"/>
-              </a:solidFill>
-            </a:endParaRPr>
-          </a:p>
         </p:txBody>
       </p:sp>
-      <p:pic>
-        <p:nvPicPr>
-          <p:cNvPr id="3" name="Picture 2"/>
-          <p:cNvPicPr>
-            <a:picLocks noChangeAspect="1"/>
-          </p:cNvPicPr>
-          <p:nvPr/>
-        </p:nvPicPr>
-        <p:blipFill>
-          <a:blip r:embed="rId1"/>
-          <a:stretch>
-            <a:fillRect/>
-          </a:stretch>
-        </p:blipFill>
-        <p:spPr>
-          <a:xfrm>
-            <a:off x="6008370" y="821055"/>
-            <a:ext cx="2606040" cy="4147820"/>
-          </a:xfrm>
-          <a:prstGeom prst="rect">
-            <a:avLst/>
-          </a:prstGeom>
-        </p:spPr>
-      </p:pic>
     </p:spTree>
   </p:cSld>
   <p:clrMapOvr>
@@ -10004,7 +10536,7 @@
               <a:rPr lang="en-US" sz="2935">
                 <a:sym typeface="+mn-ea"/>
               </a:rPr>
-              <a:t>Docker containers</a:t>
+              <a:t>Using Docker Client - docker version</a:t>
             </a:r>
             <a:endParaRPr lang="en-US" sz="2940" b="0">
               <a:solidFill>
@@ -10025,7 +10557,7 @@
         <p:spPr>
           <a:xfrm>
             <a:off x="311785" y="831215"/>
-            <a:ext cx="5494655" cy="3736975"/>
+            <a:ext cx="3862705" cy="3736975"/>
           </a:xfrm>
           <a:prstGeom prst="rect">
             <a:avLst/>
@@ -10051,12 +10583,10 @@
               <a:rPr lang="en-US" altLang="en-GB" b="1">
                 <a:sym typeface="+mn-ea"/>
               </a:rPr>
-              <a:t>How operating system run in a local</a:t>
+              <a:t>“docker version” command</a:t>
             </a:r>
-            <a:endParaRPr lang="en-US" b="1">
-              <a:solidFill>
-                <a:srgbClr val="B45F06"/>
-              </a:solidFill>
+            <a:endParaRPr lang="en-US" altLang="en-GB" b="1">
+              <a:sym typeface="+mn-ea"/>
             </a:endParaRPr>
           </a:p>
           <a:p>
@@ -10074,7 +10604,7 @@
               <a:rPr lang="en-US" altLang="en-GB" b="1">
                 <a:sym typeface="+mn-ea"/>
               </a:rPr>
-              <a:t>The difference versions on the system</a:t>
+              <a:t>Check the docker version settup on the local machine</a:t>
             </a:r>
             <a:endParaRPr lang="en-US" altLang="en-GB" b="1">
               <a:sym typeface="+mn-ea"/>
@@ -10091,12 +10621,6 @@
               <a:buSzPts val="1800"/>
               <a:buChar char="+"/>
             </a:pPr>
-            <a:r>
-              <a:rPr lang="en-US" altLang="en-GB" b="1">
-                <a:sym typeface="+mn-ea"/>
-              </a:rPr>
-              <a:t>Name spacing technique</a:t>
-            </a:r>
             <a:endParaRPr lang="en-US" b="1">
               <a:solidFill>
                 <a:srgbClr val="B45F06"/>
@@ -10121,8 +10645,8 @@
         </p:blipFill>
         <p:spPr>
           <a:xfrm>
-            <a:off x="5969635" y="831215"/>
-            <a:ext cx="2694940" cy="4166870"/>
+            <a:off x="4758690" y="831215"/>
+            <a:ext cx="3947795" cy="3795395"/>
           </a:xfrm>
           <a:prstGeom prst="rect">
             <a:avLst/>
@@ -10191,7 +10715,7 @@
               <a:rPr lang="en-US" sz="2935">
                 <a:sym typeface="+mn-ea"/>
               </a:rPr>
-              <a:t>Docker containers</a:t>
+              <a:t>Using Docker Client - docker run hello-world</a:t>
             </a:r>
             <a:endParaRPr lang="en-US" sz="2940" b="0">
               <a:solidFill>
@@ -10212,7 +10736,7 @@
         <p:spPr>
           <a:xfrm>
             <a:off x="311785" y="831215"/>
-            <a:ext cx="8188960" cy="3736975"/>
+            <a:ext cx="5036185" cy="3736975"/>
           </a:xfrm>
           <a:prstGeom prst="rect">
             <a:avLst/>
@@ -10238,7 +10762,7 @@
               <a:rPr lang="en-US" altLang="en-GB" b="1">
                 <a:sym typeface="+mn-ea"/>
               </a:rPr>
-              <a:t>Name spacing technique</a:t>
+              <a:t>“docker version” command</a:t>
             </a:r>
             <a:endParaRPr lang="en-US" altLang="en-GB" b="1">
               <a:sym typeface="+mn-ea"/>
@@ -10259,28 +10783,7 @@
               <a:rPr lang="en-US" altLang="en-GB" b="1">
                 <a:sym typeface="+mn-ea"/>
               </a:rPr>
-              <a:t>It’s not only use for Hardware, It can be also use for software.</a:t>
-            </a:r>
-            <a:endParaRPr lang="en-US" altLang="en-GB" b="1">
-              <a:sym typeface="+mn-ea"/>
-            </a:endParaRPr>
-          </a:p>
-          <a:p>
-            <a:pPr marL="457200" lvl="0" indent="-342900" algn="l" rtl="0">
-              <a:spcBef>
-                <a:spcPts val="0"/>
-              </a:spcBef>
-              <a:spcAft>
-                <a:spcPts val="0"/>
-              </a:spcAft>
-              <a:buSzPts val="1800"/>
-              <a:buChar char="+"/>
-            </a:pPr>
-            <a:r>
-              <a:rPr lang="en-US" altLang="en-GB" b="1">
-                <a:sym typeface="+mn-ea"/>
-              </a:rPr>
-              <a:t>Name spacing and Control groups used to isolate and single process and limit the amount of resources it can be used of.</a:t>
+              <a:t>Check the docker version settup on the local machine</a:t>
             </a:r>
             <a:endParaRPr lang="en-US" altLang="en-GB" b="1">
               <a:sym typeface="+mn-ea"/>
@@ -10321,8 +10824,8 @@
         </p:blipFill>
         <p:spPr>
           <a:xfrm>
-            <a:off x="1546860" y="2322195"/>
-            <a:ext cx="5719445" cy="2518410"/>
+            <a:off x="311785" y="714375"/>
+            <a:ext cx="7896225" cy="3714750"/>
           </a:xfrm>
           <a:prstGeom prst="rect">
             <a:avLst/>
@@ -10412,7 +10915,7 @@
         <p:spPr>
           <a:xfrm>
             <a:off x="311785" y="831215"/>
-            <a:ext cx="5412740" cy="3736975"/>
+            <a:ext cx="5036185" cy="3736975"/>
           </a:xfrm>
           <a:prstGeom prst="rect">
             <a:avLst/>
@@ -10438,65 +10941,8 @@
               <a:rPr lang="en-US" altLang="en-GB" b="1">
                 <a:sym typeface="+mn-ea"/>
               </a:rPr>
-              <a:t>Name spacing technique</a:t>
+              <a:t>How operating system run in a local</a:t>
             </a:r>
-            <a:endParaRPr lang="en-US" altLang="en-GB" b="1">
-              <a:sym typeface="+mn-ea"/>
-            </a:endParaRPr>
-          </a:p>
-          <a:p>
-            <a:pPr marL="457200" lvl="0" indent="-342900" algn="l" rtl="0">
-              <a:spcBef>
-                <a:spcPts val="0"/>
-              </a:spcBef>
-              <a:spcAft>
-                <a:spcPts val="0"/>
-              </a:spcAft>
-              <a:buSzPts val="1800"/>
-              <a:buChar char="+"/>
-            </a:pPr>
-            <a:r>
-              <a:rPr lang="en-US" altLang="en-GB" b="1">
-                <a:sym typeface="+mn-ea"/>
-              </a:rPr>
-              <a:t>It’s not only use for Hardware, It can be also use for software.</a:t>
-            </a:r>
-            <a:endParaRPr lang="en-US" altLang="en-GB" b="1">
-              <a:sym typeface="+mn-ea"/>
-            </a:endParaRPr>
-          </a:p>
-          <a:p>
-            <a:pPr marL="457200" lvl="0" indent="-342900" algn="l" rtl="0">
-              <a:spcBef>
-                <a:spcPts val="0"/>
-              </a:spcBef>
-              <a:spcAft>
-                <a:spcPts val="0"/>
-              </a:spcAft>
-              <a:buSzPts val="1800"/>
-              <a:buChar char="+"/>
-            </a:pPr>
-            <a:r>
-              <a:rPr lang="en-US" altLang="en-GB" b="1">
-                <a:sym typeface="+mn-ea"/>
-              </a:rPr>
-              <a:t>Name spacing and Control groups used to isolate and single process and limit the amount of resources it can be used of.</a:t>
-            </a:r>
-            <a:endParaRPr lang="en-US" altLang="en-GB" b="1">
-              <a:sym typeface="+mn-ea"/>
-            </a:endParaRPr>
-          </a:p>
-          <a:p>
-            <a:pPr marL="457200" lvl="0" indent="-342900" algn="l" rtl="0">
-              <a:spcBef>
-                <a:spcPts val="0"/>
-              </a:spcBef>
-              <a:spcAft>
-                <a:spcPts val="0"/>
-              </a:spcAft>
-              <a:buSzPts val="1800"/>
-              <a:buChar char="+"/>
-            </a:pPr>
             <a:endParaRPr lang="en-US" b="1">
               <a:solidFill>
                 <a:srgbClr val="B45F06"/>
@@ -10507,7 +10953,7 @@
       </p:sp>
       <p:pic>
         <p:nvPicPr>
-          <p:cNvPr id="2" name="Picture 1"/>
+          <p:cNvPr id="4" name="Picture 3"/>
           <p:cNvPicPr>
             <a:picLocks noChangeAspect="1"/>
           </p:cNvPicPr>
@@ -10521,8 +10967,8 @@
         </p:blipFill>
         <p:spPr>
           <a:xfrm>
-            <a:off x="6058535" y="831215"/>
-            <a:ext cx="2454910" cy="4041775"/>
+            <a:off x="1546225" y="1418590"/>
+            <a:ext cx="6051550" cy="3342640"/>
           </a:xfrm>
           <a:prstGeom prst="rect">
             <a:avLst/>
@@ -10612,7 +11058,7 @@
         <p:spPr>
           <a:xfrm>
             <a:off x="311785" y="831215"/>
-            <a:ext cx="4709160" cy="3736975"/>
+            <a:ext cx="4689475" cy="3736975"/>
           </a:xfrm>
           <a:prstGeom prst="rect">
             <a:avLst/>
@@ -10638,76 +11084,42 @@
               <a:rPr lang="en-US" altLang="en-GB" b="1">
                 <a:sym typeface="+mn-ea"/>
               </a:rPr>
-              <a:t>Name spacing technique</a:t>
+              <a:t>How operating system run in a local</a:t>
             </a:r>
-            <a:endParaRPr lang="en-US" altLang="en-GB" b="1">
-              <a:sym typeface="+mn-ea"/>
-            </a:endParaRPr>
-          </a:p>
-          <a:p>
-            <a:pPr marL="457200" lvl="0" indent="-342900" algn="l" rtl="0">
-              <a:spcBef>
-                <a:spcPts val="0"/>
-              </a:spcBef>
-              <a:spcAft>
-                <a:spcPts val="0"/>
-              </a:spcAft>
-              <a:buSzPts val="1800"/>
-              <a:buChar char="+"/>
-            </a:pPr>
-            <a:r>
-              <a:rPr lang="en-US" altLang="en-GB" b="1">
-                <a:sym typeface="+mn-ea"/>
-              </a:rPr>
-              <a:t>It’s not only use for Hardware, It can be also use for software.</a:t>
-            </a:r>
-            <a:endParaRPr lang="en-US" altLang="en-GB" b="1">
-              <a:sym typeface="+mn-ea"/>
-            </a:endParaRPr>
-          </a:p>
-          <a:p>
-            <a:pPr marL="457200" lvl="0" indent="-342900" algn="l" rtl="0">
-              <a:spcBef>
-                <a:spcPts val="0"/>
-              </a:spcBef>
-              <a:spcAft>
-                <a:spcPts val="0"/>
-              </a:spcAft>
-              <a:buSzPts val="1800"/>
-              <a:buChar char="+"/>
-            </a:pPr>
-            <a:r>
-              <a:rPr lang="en-US" altLang="en-GB" b="1">
-                <a:sym typeface="+mn-ea"/>
-              </a:rPr>
-              <a:t>Name spacing and Control groups used to isolate and single process and limit the amount of resources it can be used of.</a:t>
-            </a:r>
-            <a:endParaRPr lang="en-US" altLang="en-GB" b="1">
-              <a:sym typeface="+mn-ea"/>
-            </a:endParaRPr>
-          </a:p>
-          <a:p>
-            <a:pPr marL="457200" lvl="0" indent="-342900" algn="l" rtl="0">
-              <a:spcBef>
-                <a:spcPts val="0"/>
-              </a:spcBef>
-              <a:spcAft>
-                <a:spcPts val="0"/>
-              </a:spcAft>
-              <a:buSzPts val="1800"/>
-              <a:buChar char="+"/>
-            </a:pPr>
             <a:endParaRPr lang="en-US" b="1">
               <a:solidFill>
                 <a:srgbClr val="B45F06"/>
               </a:solidFill>
             </a:endParaRPr>
           </a:p>
+          <a:p>
+            <a:pPr marL="457200" lvl="0" indent="-342900" algn="l" rtl="0">
+              <a:spcBef>
+                <a:spcPts val="0"/>
+              </a:spcBef>
+              <a:spcAft>
+                <a:spcPts val="0"/>
+              </a:spcAft>
+              <a:buSzPts val="1800"/>
+              <a:buChar char="+"/>
+            </a:pPr>
+            <a:r>
+              <a:rPr lang="en-US" altLang="en-GB" b="1">
+                <a:sym typeface="+mn-ea"/>
+              </a:rPr>
+              <a:t>The difference versions on the system</a:t>
+            </a:r>
+            <a:endParaRPr lang="en-US" b="1">
+              <a:solidFill>
+                <a:srgbClr val="B45F06"/>
+              </a:solidFill>
+            </a:endParaRPr>
+          </a:p>
         </p:txBody>
       </p:sp>
       <p:pic>
         <p:nvPicPr>
-          <p:cNvPr id="2" name="Picture 1"/>
+          <p:cNvPr id="3" name="Picture 2"/>
           <p:cNvPicPr>
             <a:picLocks noChangeAspect="1"/>
           </p:cNvPicPr>
@@ -10721,8 +11133,8 @@
         </p:blipFill>
         <p:spPr>
           <a:xfrm>
-            <a:off x="5189220" y="612775"/>
-            <a:ext cx="3459480" cy="4339590"/>
+            <a:off x="6008370" y="821055"/>
+            <a:ext cx="2606040" cy="4147820"/>
           </a:xfrm>
           <a:prstGeom prst="rect">
             <a:avLst/>
@@ -10862,6 +11274,23 @@
               <a:buAutoNum type="arabicPeriod"/>
             </a:pPr>
             <a:r>
+              <a:rPr lang="en-US" altLang="en-GB"/>
+              <a:t>What problems does Docker solve?</a:t>
+            </a:r>
+            <a:endParaRPr lang="en-US" altLang="en-GB"/>
+          </a:p>
+          <a:p>
+            <a:pPr marL="457200" lvl="0" indent="-342900" algn="l" rtl="0">
+              <a:spcBef>
+                <a:spcPts val="0"/>
+              </a:spcBef>
+              <a:spcAft>
+                <a:spcPts val="0"/>
+              </a:spcAft>
+              <a:buSzPts val="1800"/>
+              <a:buAutoNum type="arabicPeriod"/>
+            </a:pPr>
+            <a:r>
               <a:rPr lang="en-US">
                 <a:sym typeface="+mn-ea"/>
               </a:rPr>
@@ -11038,7 +11467,7 @@
         <p:spPr>
           <a:xfrm>
             <a:off x="311785" y="831215"/>
-            <a:ext cx="8520430" cy="3736975"/>
+            <a:ext cx="5494655" cy="3736975"/>
           </a:xfrm>
           <a:prstGeom prst="rect">
             <a:avLst/>
@@ -11064,7 +11493,51 @@
               <a:rPr lang="en-US" altLang="en-GB" b="1">
                 <a:sym typeface="+mn-ea"/>
               </a:rPr>
-              <a:t>The relationship between image and container and how it work.</a:t>
+              <a:t>How operating system run in a local</a:t>
+            </a:r>
+            <a:endParaRPr lang="en-US" b="1">
+              <a:solidFill>
+                <a:srgbClr val="B45F06"/>
+              </a:solidFill>
+            </a:endParaRPr>
+          </a:p>
+          <a:p>
+            <a:pPr marL="457200" lvl="0" indent="-342900" algn="l" rtl="0">
+              <a:spcBef>
+                <a:spcPts val="0"/>
+              </a:spcBef>
+              <a:spcAft>
+                <a:spcPts val="0"/>
+              </a:spcAft>
+              <a:buSzPts val="1800"/>
+              <a:buChar char="+"/>
+            </a:pPr>
+            <a:r>
+              <a:rPr lang="en-US" altLang="en-GB" b="1">
+                <a:sym typeface="+mn-ea"/>
+              </a:rPr>
+              <a:t>The difference versions on the system</a:t>
+            </a:r>
+            <a:endParaRPr lang="en-US" altLang="en-GB" b="1">
+              <a:sym typeface="+mn-ea"/>
+            </a:endParaRPr>
+          </a:p>
+          <a:p>
+            <a:pPr marL="457200" lvl="0" indent="-342900" algn="l" rtl="0">
+              <a:spcBef>
+                <a:spcPts val="0"/>
+              </a:spcBef>
+              <a:spcAft>
+                <a:spcPts val="0"/>
+              </a:spcAft>
+              <a:buSzPts val="1800"/>
+              <a:buChar char="+"/>
+            </a:pPr>
+            <a:r>
+              <a:rPr lang="en-US" altLang="en-GB" b="1">
+                <a:sym typeface="+mn-ea"/>
+              </a:rPr>
+              <a:t>Name spacing technique</a:t>
             </a:r>
             <a:endParaRPr lang="en-US" b="1">
               <a:solidFill>
@@ -11090,32 +11563,8 @@
         </p:blipFill>
         <p:spPr>
           <a:xfrm>
-            <a:off x="633730" y="2126615"/>
-            <a:ext cx="3884930" cy="2550160"/>
-          </a:xfrm>
-          <a:prstGeom prst="rect">
-            <a:avLst/>
-          </a:prstGeom>
-        </p:spPr>
-      </p:pic>
-      <p:pic>
-        <p:nvPicPr>
-          <p:cNvPr id="3" name="Picture 2"/>
-          <p:cNvPicPr>
-            <a:picLocks noChangeAspect="1"/>
-          </p:cNvPicPr>
-          <p:nvPr/>
-        </p:nvPicPr>
-        <p:blipFill>
-          <a:blip r:embed="rId2"/>
-          <a:stretch>
-            <a:fillRect/>
-          </a:stretch>
-        </p:blipFill>
-        <p:spPr>
-          <a:xfrm>
-            <a:off x="4728845" y="2225675"/>
-            <a:ext cx="3710305" cy="2386965"/>
+            <a:off x="5969635" y="831215"/>
+            <a:ext cx="2694940" cy="4166870"/>
           </a:xfrm>
           <a:prstGeom prst="rect">
             <a:avLst/>
@@ -11205,7 +11654,7 @@
         <p:spPr>
           <a:xfrm>
             <a:off x="311785" y="831215"/>
-            <a:ext cx="8520430" cy="3736975"/>
+            <a:ext cx="8188960" cy="3736975"/>
           </a:xfrm>
           <a:prstGeom prst="rect">
             <a:avLst/>
@@ -11231,8 +11680,65 @@
               <a:rPr lang="en-US" altLang="en-GB" b="1">
                 <a:sym typeface="+mn-ea"/>
               </a:rPr>
-              <a:t>The relationship between image and container and how it work.</a:t>
+              <a:t>Name spacing technique</a:t>
             </a:r>
+            <a:endParaRPr lang="en-US" altLang="en-GB" b="1">
+              <a:sym typeface="+mn-ea"/>
+            </a:endParaRPr>
+          </a:p>
+          <a:p>
+            <a:pPr marL="457200" lvl="0" indent="-342900" algn="l" rtl="0">
+              <a:spcBef>
+                <a:spcPts val="0"/>
+              </a:spcBef>
+              <a:spcAft>
+                <a:spcPts val="0"/>
+              </a:spcAft>
+              <a:buSzPts val="1800"/>
+              <a:buChar char="+"/>
+            </a:pPr>
+            <a:r>
+              <a:rPr lang="en-US" altLang="en-GB" b="1">
+                <a:sym typeface="+mn-ea"/>
+              </a:rPr>
+              <a:t>It’s not only use for Hardware, It can be also use for software.</a:t>
+            </a:r>
+            <a:endParaRPr lang="en-US" altLang="en-GB" b="1">
+              <a:sym typeface="+mn-ea"/>
+            </a:endParaRPr>
+          </a:p>
+          <a:p>
+            <a:pPr marL="457200" lvl="0" indent="-342900" algn="l" rtl="0">
+              <a:spcBef>
+                <a:spcPts val="0"/>
+              </a:spcBef>
+              <a:spcAft>
+                <a:spcPts val="0"/>
+              </a:spcAft>
+              <a:buSzPts val="1800"/>
+              <a:buChar char="+"/>
+            </a:pPr>
+            <a:r>
+              <a:rPr lang="en-US" altLang="en-GB" b="1">
+                <a:sym typeface="+mn-ea"/>
+              </a:rPr>
+              <a:t>Name spacing and Control groups used to isolate and single process and limit the amount of resources it can be used of.</a:t>
+            </a:r>
+            <a:endParaRPr lang="en-US" altLang="en-GB" b="1">
+              <a:sym typeface="+mn-ea"/>
+            </a:endParaRPr>
+          </a:p>
+          <a:p>
+            <a:pPr marL="457200" lvl="0" indent="-342900" algn="l" rtl="0">
+              <a:spcBef>
+                <a:spcPts val="0"/>
+              </a:spcBef>
+              <a:spcAft>
+                <a:spcPts val="0"/>
+              </a:spcAft>
+              <a:buSzPts val="1800"/>
+              <a:buChar char="+"/>
+            </a:pPr>
             <a:endParaRPr lang="en-US" b="1">
               <a:solidFill>
                 <a:srgbClr val="B45F06"/>
@@ -11257,8 +11763,8 @@
         </p:blipFill>
         <p:spPr>
           <a:xfrm>
-            <a:off x="855345" y="1508125"/>
-            <a:ext cx="6689090" cy="3148330"/>
+            <a:off x="1546860" y="2322195"/>
+            <a:ext cx="5719445" cy="2518410"/>
           </a:xfrm>
           <a:prstGeom prst="rect">
             <a:avLst/>
@@ -11348,7 +11854,7 @@
         <p:spPr>
           <a:xfrm>
             <a:off x="311785" y="831215"/>
-            <a:ext cx="8520430" cy="3736975"/>
+            <a:ext cx="5412740" cy="3736975"/>
           </a:xfrm>
           <a:prstGeom prst="rect">
             <a:avLst/>
@@ -11374,8 +11880,65 @@
               <a:rPr lang="en-US" altLang="en-GB" b="1">
                 <a:sym typeface="+mn-ea"/>
               </a:rPr>
-              <a:t>The relationship between image and container and how it work.</a:t>
+              <a:t>Name spacing technique</a:t>
             </a:r>
+            <a:endParaRPr lang="en-US" altLang="en-GB" b="1">
+              <a:sym typeface="+mn-ea"/>
+            </a:endParaRPr>
+          </a:p>
+          <a:p>
+            <a:pPr marL="457200" lvl="0" indent="-342900" algn="l" rtl="0">
+              <a:spcBef>
+                <a:spcPts val="0"/>
+              </a:spcBef>
+              <a:spcAft>
+                <a:spcPts val="0"/>
+              </a:spcAft>
+              <a:buSzPts val="1800"/>
+              <a:buChar char="+"/>
+            </a:pPr>
+            <a:r>
+              <a:rPr lang="en-US" altLang="en-GB" b="1">
+                <a:sym typeface="+mn-ea"/>
+              </a:rPr>
+              <a:t>It’s not only use for Hardware, It can be also use for software.</a:t>
+            </a:r>
+            <a:endParaRPr lang="en-US" altLang="en-GB" b="1">
+              <a:sym typeface="+mn-ea"/>
+            </a:endParaRPr>
+          </a:p>
+          <a:p>
+            <a:pPr marL="457200" lvl="0" indent="-342900" algn="l" rtl="0">
+              <a:spcBef>
+                <a:spcPts val="0"/>
+              </a:spcBef>
+              <a:spcAft>
+                <a:spcPts val="0"/>
+              </a:spcAft>
+              <a:buSzPts val="1800"/>
+              <a:buChar char="+"/>
+            </a:pPr>
+            <a:r>
+              <a:rPr lang="en-US" altLang="en-GB" b="1">
+                <a:sym typeface="+mn-ea"/>
+              </a:rPr>
+              <a:t>Name spacing and Control groups used to isolate and single process and limit the amount of resources it can be used of.</a:t>
+            </a:r>
+            <a:endParaRPr lang="en-US" altLang="en-GB" b="1">
+              <a:sym typeface="+mn-ea"/>
+            </a:endParaRPr>
+          </a:p>
+          <a:p>
+            <a:pPr marL="457200" lvl="0" indent="-342900" algn="l" rtl="0">
+              <a:spcBef>
+                <a:spcPts val="0"/>
+              </a:spcBef>
+              <a:spcAft>
+                <a:spcPts val="0"/>
+              </a:spcAft>
+              <a:buSzPts val="1800"/>
+              <a:buChar char="+"/>
+            </a:pPr>
             <a:endParaRPr lang="en-US" b="1">
               <a:solidFill>
                 <a:srgbClr val="B45F06"/>
@@ -11400,8 +11963,8 @@
         </p:blipFill>
         <p:spPr>
           <a:xfrm>
-            <a:off x="984885" y="1533525"/>
-            <a:ext cx="6520815" cy="3075305"/>
+            <a:off x="6058535" y="831215"/>
+            <a:ext cx="2454910" cy="4041775"/>
           </a:xfrm>
           <a:prstGeom prst="rect">
             <a:avLst/>
@@ -11470,7 +12033,7 @@
               <a:rPr lang="en-US" sz="2935">
                 <a:sym typeface="+mn-ea"/>
               </a:rPr>
-              <a:t>How’s Docker running on your computer</a:t>
+              <a:t>Docker containers</a:t>
             </a:r>
             <a:endParaRPr lang="en-US" sz="2940" b="0">
               <a:solidFill>
@@ -11491,7 +12054,7 @@
         <p:spPr>
           <a:xfrm>
             <a:off x="311785" y="831215"/>
-            <a:ext cx="8188960" cy="3736975"/>
+            <a:ext cx="4709160" cy="3736975"/>
           </a:xfrm>
           <a:prstGeom prst="rect">
             <a:avLst/>
@@ -11517,8 +12080,65 @@
               <a:rPr lang="en-US" altLang="en-GB" b="1">
                 <a:sym typeface="+mn-ea"/>
               </a:rPr>
-              <a:t>Name spacing and Control groups is not on Windows or Mac, It’s belong to Linux</a:t>
+              <a:t>Name spacing technique</a:t>
             </a:r>
+            <a:endParaRPr lang="en-US" altLang="en-GB" b="1">
+              <a:sym typeface="+mn-ea"/>
+            </a:endParaRPr>
+          </a:p>
+          <a:p>
+            <a:pPr marL="457200" lvl="0" indent="-342900" algn="l" rtl="0">
+              <a:spcBef>
+                <a:spcPts val="0"/>
+              </a:spcBef>
+              <a:spcAft>
+                <a:spcPts val="0"/>
+              </a:spcAft>
+              <a:buSzPts val="1800"/>
+              <a:buChar char="+"/>
+            </a:pPr>
+            <a:r>
+              <a:rPr lang="en-US" altLang="en-GB" b="1">
+                <a:sym typeface="+mn-ea"/>
+              </a:rPr>
+              <a:t>It’s not only use for Hardware, It can be also use for software.</a:t>
+            </a:r>
+            <a:endParaRPr lang="en-US" altLang="en-GB" b="1">
+              <a:sym typeface="+mn-ea"/>
+            </a:endParaRPr>
+          </a:p>
+          <a:p>
+            <a:pPr marL="457200" lvl="0" indent="-342900" algn="l" rtl="0">
+              <a:spcBef>
+                <a:spcPts val="0"/>
+              </a:spcBef>
+              <a:spcAft>
+                <a:spcPts val="0"/>
+              </a:spcAft>
+              <a:buSzPts val="1800"/>
+              <a:buChar char="+"/>
+            </a:pPr>
+            <a:r>
+              <a:rPr lang="en-US" altLang="en-GB" b="1">
+                <a:sym typeface="+mn-ea"/>
+              </a:rPr>
+              <a:t>Name spacing and Control groups used to isolate and single process and limit the amount of resources it can be used of.</a:t>
+            </a:r>
+            <a:endParaRPr lang="en-US" altLang="en-GB" b="1">
+              <a:sym typeface="+mn-ea"/>
+            </a:endParaRPr>
+          </a:p>
+          <a:p>
+            <a:pPr marL="457200" lvl="0" indent="-342900" algn="l" rtl="0">
+              <a:spcBef>
+                <a:spcPts val="0"/>
+              </a:spcBef>
+              <a:spcAft>
+                <a:spcPts val="0"/>
+              </a:spcAft>
+              <a:buSzPts val="1800"/>
+              <a:buChar char="+"/>
+            </a:pPr>
             <a:endParaRPr lang="en-US" b="1">
               <a:solidFill>
                 <a:srgbClr val="B45F06"/>
@@ -11543,8 +12163,8 @@
         </p:blipFill>
         <p:spPr>
           <a:xfrm>
-            <a:off x="1546860" y="2322195"/>
-            <a:ext cx="5719445" cy="2518410"/>
+            <a:off x="5189220" y="612775"/>
+            <a:ext cx="3459480" cy="4339590"/>
           </a:xfrm>
           <a:prstGeom prst="rect">
             <a:avLst/>
@@ -11613,7 +12233,7 @@
               <a:rPr lang="en-US" sz="2935">
                 <a:sym typeface="+mn-ea"/>
               </a:rPr>
-              <a:t>How’s Docker running on your computer</a:t>
+              <a:t>Docker containers</a:t>
             </a:r>
             <a:endParaRPr lang="en-US" sz="2940" b="0">
               <a:solidFill>
@@ -11634,7 +12254,7 @@
         <p:spPr>
           <a:xfrm>
             <a:off x="311785" y="831215"/>
-            <a:ext cx="3781425" cy="3736975"/>
+            <a:ext cx="8520430" cy="3736975"/>
           </a:xfrm>
           <a:prstGeom prst="rect">
             <a:avLst/>
@@ -11660,44 +12280,8 @@
               <a:rPr lang="en-US" altLang="en-GB" b="1">
                 <a:sym typeface="+mn-ea"/>
               </a:rPr>
-              <a:t>Name spacing and Control groups is not on Windows or Mac, It’s belong to Linux</a:t>
+              <a:t>The relationship between image and container and how it work.</a:t>
             </a:r>
-            <a:endParaRPr lang="en-US" altLang="en-GB" b="1">
-              <a:sym typeface="+mn-ea"/>
-            </a:endParaRPr>
-          </a:p>
-          <a:p>
-            <a:pPr marL="457200" lvl="0" indent="-342900" algn="l" rtl="0">
-              <a:spcBef>
-                <a:spcPts val="0"/>
-              </a:spcBef>
-              <a:spcAft>
-                <a:spcPts val="0"/>
-              </a:spcAft>
-              <a:buSzPts val="1800"/>
-              <a:buChar char="+"/>
-            </a:pPr>
-            <a:r>
-              <a:rPr lang="en-US" altLang="en-GB" b="1">
-                <a:sym typeface="+mn-ea"/>
-              </a:rPr>
-              <a:t>Linux Virtual Machine is host the docker and container to run</a:t>
-            </a:r>
-            <a:endParaRPr lang="en-US" altLang="en-GB" b="1">
-              <a:sym typeface="+mn-ea"/>
-            </a:endParaRPr>
-          </a:p>
-          <a:p>
-            <a:pPr marL="114300" lvl="0" indent="0" algn="l" rtl="0">
-              <a:spcBef>
-                <a:spcPts val="0"/>
-              </a:spcBef>
-              <a:spcAft>
-                <a:spcPts val="0"/>
-              </a:spcAft>
-              <a:buSzPts val="1800"/>
-              <a:buNone/>
-            </a:pPr>
             <a:endParaRPr lang="en-US" b="1">
               <a:solidFill>
                 <a:srgbClr val="B45F06"/>
@@ -11722,8 +12306,32 @@
         </p:blipFill>
         <p:spPr>
           <a:xfrm>
-            <a:off x="4355465" y="908050"/>
-            <a:ext cx="4344670" cy="3787140"/>
+            <a:off x="633730" y="2126615"/>
+            <a:ext cx="3884930" cy="2550160"/>
+          </a:xfrm>
+          <a:prstGeom prst="rect">
+            <a:avLst/>
+          </a:prstGeom>
+        </p:spPr>
+      </p:pic>
+      <p:pic>
+        <p:nvPicPr>
+          <p:cNvPr id="3" name="Picture 2"/>
+          <p:cNvPicPr>
+            <a:picLocks noChangeAspect="1"/>
+          </p:cNvPicPr>
+          <p:nvPr/>
+        </p:nvPicPr>
+        <p:blipFill>
+          <a:blip r:embed="rId2"/>
+          <a:stretch>
+            <a:fillRect/>
+          </a:stretch>
+        </p:blipFill>
+        <p:spPr>
+          <a:xfrm>
+            <a:off x="4728845" y="2225675"/>
+            <a:ext cx="3710305" cy="2386965"/>
           </a:xfrm>
           <a:prstGeom prst="rect">
             <a:avLst/>
@@ -11739,6 +12347,614 @@
 </file>
 
 <file path=ppt/slides/slide25.xml><?xml version="1.0" encoding="utf-8"?>
+<p:sld xmlns:a="http://schemas.openxmlformats.org/drawingml/2006/main" xmlns:r="http://schemas.openxmlformats.org/officeDocument/2006/relationships" xmlns:p="http://schemas.openxmlformats.org/presentationml/2006/main">
+  <p:cSld>
+    <p:spTree>
+      <p:nvGrpSpPr>
+        <p:cNvPr id="77" name="Shape 77"/>
+        <p:cNvGrpSpPr/>
+        <p:nvPr/>
+      </p:nvGrpSpPr>
+      <p:grpSpPr>
+        <a:xfrm>
+          <a:off x="0" y="0"/>
+          <a:ext cx="0" cy="0"/>
+          <a:chOff x="0" y="0"/>
+          <a:chExt cx="0" cy="0"/>
+        </a:xfrm>
+      </p:grpSpPr>
+      <p:sp>
+        <p:nvSpPr>
+          <p:cNvPr id="78" name="Google Shape;78;p15"/>
+          <p:cNvSpPr txBox="1"/>
+          <p:nvPr>
+            <p:ph type="title"/>
+          </p:nvPr>
+        </p:nvSpPr>
+        <p:spPr>
+          <a:xfrm>
+            <a:off x="311700" y="123715"/>
+            <a:ext cx="8520600" cy="707400"/>
+          </a:xfrm>
+          <a:prstGeom prst="rect">
+            <a:avLst/>
+          </a:prstGeom>
+        </p:spPr>
+        <p:txBody>
+          <a:bodyPr spcFirstLastPara="1" wrap="square" lIns="91425" tIns="91425" rIns="91425" bIns="91425" anchor="t" anchorCtr="0">
+            <a:normAutofit/>
+          </a:bodyPr>
+          <a:lstStyle/>
+          <a:p>
+            <a:pPr marL="0" lvl="0" indent="0" algn="l" rtl="0">
+              <a:spcBef>
+                <a:spcPts val="0"/>
+              </a:spcBef>
+              <a:spcAft>
+                <a:spcPts val="0"/>
+              </a:spcAft>
+              <a:buSzPts val="990"/>
+              <a:buNone/>
+            </a:pPr>
+            <a:r>
+              <a:rPr lang="en-US" sz="2935">
+                <a:sym typeface="+mn-ea"/>
+              </a:rPr>
+              <a:t>Docker containers</a:t>
+            </a:r>
+            <a:endParaRPr lang="en-US" sz="2940" b="0">
+              <a:solidFill>
+                <a:srgbClr val="3D85C6"/>
+              </a:solidFill>
+            </a:endParaRPr>
+          </a:p>
+        </p:txBody>
+      </p:sp>
+      <p:sp>
+        <p:nvSpPr>
+          <p:cNvPr id="79" name="Google Shape;79;p15"/>
+          <p:cNvSpPr txBox="1"/>
+          <p:nvPr>
+            <p:ph type="body" idx="1"/>
+          </p:nvPr>
+        </p:nvSpPr>
+        <p:spPr>
+          <a:xfrm>
+            <a:off x="311785" y="831215"/>
+            <a:ext cx="8520430" cy="3736975"/>
+          </a:xfrm>
+          <a:prstGeom prst="rect">
+            <a:avLst/>
+          </a:prstGeom>
+        </p:spPr>
+        <p:txBody>
+          <a:bodyPr spcFirstLastPara="1" wrap="square" lIns="91425" tIns="91425" rIns="91425" bIns="91425" anchor="t" anchorCtr="0">
+            <a:normAutofit/>
+          </a:bodyPr>
+          <a:lstStyle/>
+          <a:p>
+            <a:pPr marL="457200" lvl="0" indent="-342900" algn="l" rtl="0">
+              <a:spcBef>
+                <a:spcPts val="0"/>
+              </a:spcBef>
+              <a:spcAft>
+                <a:spcPts val="0"/>
+              </a:spcAft>
+              <a:buSzPts val="1800"/>
+              <a:buChar char="+"/>
+            </a:pPr>
+            <a:r>
+              <a:rPr lang="en-US" altLang="en-GB" b="1">
+                <a:sym typeface="+mn-ea"/>
+              </a:rPr>
+              <a:t>The relationship between image and container and how it work.</a:t>
+            </a:r>
+            <a:endParaRPr lang="en-US" b="1">
+              <a:solidFill>
+                <a:srgbClr val="B45F06"/>
+              </a:solidFill>
+            </a:endParaRPr>
+          </a:p>
+        </p:txBody>
+      </p:sp>
+      <p:pic>
+        <p:nvPicPr>
+          <p:cNvPr id="2" name="Picture 1"/>
+          <p:cNvPicPr>
+            <a:picLocks noChangeAspect="1"/>
+          </p:cNvPicPr>
+          <p:nvPr/>
+        </p:nvPicPr>
+        <p:blipFill>
+          <a:blip r:embed="rId1"/>
+          <a:stretch>
+            <a:fillRect/>
+          </a:stretch>
+        </p:blipFill>
+        <p:spPr>
+          <a:xfrm>
+            <a:off x="855345" y="1508125"/>
+            <a:ext cx="6689090" cy="3148330"/>
+          </a:xfrm>
+          <a:prstGeom prst="rect">
+            <a:avLst/>
+          </a:prstGeom>
+        </p:spPr>
+      </p:pic>
+    </p:spTree>
+  </p:cSld>
+  <p:clrMapOvr>
+    <a:masterClrMapping/>
+  </p:clrMapOvr>
+</p:sld>
+</file>
+
+<file path=ppt/slides/slide26.xml><?xml version="1.0" encoding="utf-8"?>
+<p:sld xmlns:a="http://schemas.openxmlformats.org/drawingml/2006/main" xmlns:r="http://schemas.openxmlformats.org/officeDocument/2006/relationships" xmlns:p="http://schemas.openxmlformats.org/presentationml/2006/main">
+  <p:cSld>
+    <p:spTree>
+      <p:nvGrpSpPr>
+        <p:cNvPr id="77" name="Shape 77"/>
+        <p:cNvGrpSpPr/>
+        <p:nvPr/>
+      </p:nvGrpSpPr>
+      <p:grpSpPr>
+        <a:xfrm>
+          <a:off x="0" y="0"/>
+          <a:ext cx="0" cy="0"/>
+          <a:chOff x="0" y="0"/>
+          <a:chExt cx="0" cy="0"/>
+        </a:xfrm>
+      </p:grpSpPr>
+      <p:sp>
+        <p:nvSpPr>
+          <p:cNvPr id="78" name="Google Shape;78;p15"/>
+          <p:cNvSpPr txBox="1"/>
+          <p:nvPr>
+            <p:ph type="title"/>
+          </p:nvPr>
+        </p:nvSpPr>
+        <p:spPr>
+          <a:xfrm>
+            <a:off x="311700" y="123715"/>
+            <a:ext cx="8520600" cy="707400"/>
+          </a:xfrm>
+          <a:prstGeom prst="rect">
+            <a:avLst/>
+          </a:prstGeom>
+        </p:spPr>
+        <p:txBody>
+          <a:bodyPr spcFirstLastPara="1" wrap="square" lIns="91425" tIns="91425" rIns="91425" bIns="91425" anchor="t" anchorCtr="0">
+            <a:normAutofit/>
+          </a:bodyPr>
+          <a:lstStyle/>
+          <a:p>
+            <a:pPr marL="0" lvl="0" indent="0" algn="l" rtl="0">
+              <a:spcBef>
+                <a:spcPts val="0"/>
+              </a:spcBef>
+              <a:spcAft>
+                <a:spcPts val="0"/>
+              </a:spcAft>
+              <a:buSzPts val="990"/>
+              <a:buNone/>
+            </a:pPr>
+            <a:r>
+              <a:rPr lang="en-US" sz="2935">
+                <a:sym typeface="+mn-ea"/>
+              </a:rPr>
+              <a:t>Docker containers</a:t>
+            </a:r>
+            <a:endParaRPr lang="en-US" sz="2940" b="0">
+              <a:solidFill>
+                <a:srgbClr val="3D85C6"/>
+              </a:solidFill>
+            </a:endParaRPr>
+          </a:p>
+        </p:txBody>
+      </p:sp>
+      <p:sp>
+        <p:nvSpPr>
+          <p:cNvPr id="79" name="Google Shape;79;p15"/>
+          <p:cNvSpPr txBox="1"/>
+          <p:nvPr>
+            <p:ph type="body" idx="1"/>
+          </p:nvPr>
+        </p:nvSpPr>
+        <p:spPr>
+          <a:xfrm>
+            <a:off x="311785" y="831215"/>
+            <a:ext cx="8520430" cy="3736975"/>
+          </a:xfrm>
+          <a:prstGeom prst="rect">
+            <a:avLst/>
+          </a:prstGeom>
+        </p:spPr>
+        <p:txBody>
+          <a:bodyPr spcFirstLastPara="1" wrap="square" lIns="91425" tIns="91425" rIns="91425" bIns="91425" anchor="t" anchorCtr="0">
+            <a:normAutofit/>
+          </a:bodyPr>
+          <a:lstStyle/>
+          <a:p>
+            <a:pPr marL="457200" lvl="0" indent="-342900" algn="l" rtl="0">
+              <a:spcBef>
+                <a:spcPts val="0"/>
+              </a:spcBef>
+              <a:spcAft>
+                <a:spcPts val="0"/>
+              </a:spcAft>
+              <a:buSzPts val="1800"/>
+              <a:buChar char="+"/>
+            </a:pPr>
+            <a:r>
+              <a:rPr lang="en-US" altLang="en-GB" b="1">
+                <a:sym typeface="+mn-ea"/>
+              </a:rPr>
+              <a:t>The relationship between image and container and how it work.</a:t>
+            </a:r>
+            <a:endParaRPr lang="en-US" b="1">
+              <a:solidFill>
+                <a:srgbClr val="B45F06"/>
+              </a:solidFill>
+            </a:endParaRPr>
+          </a:p>
+        </p:txBody>
+      </p:sp>
+      <p:pic>
+        <p:nvPicPr>
+          <p:cNvPr id="2" name="Picture 1"/>
+          <p:cNvPicPr>
+            <a:picLocks noChangeAspect="1"/>
+          </p:cNvPicPr>
+          <p:nvPr/>
+        </p:nvPicPr>
+        <p:blipFill>
+          <a:blip r:embed="rId1"/>
+          <a:stretch>
+            <a:fillRect/>
+          </a:stretch>
+        </p:blipFill>
+        <p:spPr>
+          <a:xfrm>
+            <a:off x="984885" y="1533525"/>
+            <a:ext cx="6520815" cy="3075305"/>
+          </a:xfrm>
+          <a:prstGeom prst="rect">
+            <a:avLst/>
+          </a:prstGeom>
+        </p:spPr>
+      </p:pic>
+    </p:spTree>
+  </p:cSld>
+  <p:clrMapOvr>
+    <a:masterClrMapping/>
+  </p:clrMapOvr>
+</p:sld>
+</file>
+
+<file path=ppt/slides/slide27.xml><?xml version="1.0" encoding="utf-8"?>
+<p:sld xmlns:a="http://schemas.openxmlformats.org/drawingml/2006/main" xmlns:r="http://schemas.openxmlformats.org/officeDocument/2006/relationships" xmlns:p="http://schemas.openxmlformats.org/presentationml/2006/main">
+  <p:cSld>
+    <p:spTree>
+      <p:nvGrpSpPr>
+        <p:cNvPr id="77" name="Shape 77"/>
+        <p:cNvGrpSpPr/>
+        <p:nvPr/>
+      </p:nvGrpSpPr>
+      <p:grpSpPr>
+        <a:xfrm>
+          <a:off x="0" y="0"/>
+          <a:ext cx="0" cy="0"/>
+          <a:chOff x="0" y="0"/>
+          <a:chExt cx="0" cy="0"/>
+        </a:xfrm>
+      </p:grpSpPr>
+      <p:sp>
+        <p:nvSpPr>
+          <p:cNvPr id="78" name="Google Shape;78;p15"/>
+          <p:cNvSpPr txBox="1"/>
+          <p:nvPr>
+            <p:ph type="title"/>
+          </p:nvPr>
+        </p:nvSpPr>
+        <p:spPr>
+          <a:xfrm>
+            <a:off x="311700" y="123715"/>
+            <a:ext cx="8520600" cy="707400"/>
+          </a:xfrm>
+          <a:prstGeom prst="rect">
+            <a:avLst/>
+          </a:prstGeom>
+        </p:spPr>
+        <p:txBody>
+          <a:bodyPr spcFirstLastPara="1" wrap="square" lIns="91425" tIns="91425" rIns="91425" bIns="91425" anchor="t" anchorCtr="0">
+            <a:normAutofit/>
+          </a:bodyPr>
+          <a:lstStyle/>
+          <a:p>
+            <a:pPr marL="0" lvl="0" indent="0" algn="l" rtl="0">
+              <a:spcBef>
+                <a:spcPts val="0"/>
+              </a:spcBef>
+              <a:spcAft>
+                <a:spcPts val="0"/>
+              </a:spcAft>
+              <a:buSzPts val="990"/>
+              <a:buNone/>
+            </a:pPr>
+            <a:r>
+              <a:rPr lang="en-US" sz="2935">
+                <a:sym typeface="+mn-ea"/>
+              </a:rPr>
+              <a:t>How’s Docker running on your computer</a:t>
+            </a:r>
+            <a:endParaRPr lang="en-US" sz="2940" b="0">
+              <a:solidFill>
+                <a:srgbClr val="3D85C6"/>
+              </a:solidFill>
+            </a:endParaRPr>
+          </a:p>
+        </p:txBody>
+      </p:sp>
+      <p:sp>
+        <p:nvSpPr>
+          <p:cNvPr id="79" name="Google Shape;79;p15"/>
+          <p:cNvSpPr txBox="1"/>
+          <p:nvPr>
+            <p:ph type="body" idx="1"/>
+          </p:nvPr>
+        </p:nvSpPr>
+        <p:spPr>
+          <a:xfrm>
+            <a:off x="311785" y="831215"/>
+            <a:ext cx="8188960" cy="3736975"/>
+          </a:xfrm>
+          <a:prstGeom prst="rect">
+            <a:avLst/>
+          </a:prstGeom>
+        </p:spPr>
+        <p:txBody>
+          <a:bodyPr spcFirstLastPara="1" wrap="square" lIns="91425" tIns="91425" rIns="91425" bIns="91425" anchor="t" anchorCtr="0">
+            <a:normAutofit/>
+          </a:bodyPr>
+          <a:lstStyle/>
+          <a:p>
+            <a:pPr marL="457200" lvl="0" indent="-342900" algn="l" rtl="0">
+              <a:spcBef>
+                <a:spcPts val="0"/>
+              </a:spcBef>
+              <a:spcAft>
+                <a:spcPts val="0"/>
+              </a:spcAft>
+              <a:buSzPts val="1800"/>
+              <a:buChar char="+"/>
+            </a:pPr>
+            <a:r>
+              <a:rPr lang="en-US" altLang="en-GB" b="1">
+                <a:sym typeface="+mn-ea"/>
+              </a:rPr>
+              <a:t>Name spacing and Control groups is not on Windows or Mac, It’s belong to Linux</a:t>
+            </a:r>
+            <a:endParaRPr lang="en-US" b="1">
+              <a:solidFill>
+                <a:srgbClr val="B45F06"/>
+              </a:solidFill>
+            </a:endParaRPr>
+          </a:p>
+        </p:txBody>
+      </p:sp>
+      <p:pic>
+        <p:nvPicPr>
+          <p:cNvPr id="2" name="Picture 1"/>
+          <p:cNvPicPr>
+            <a:picLocks noChangeAspect="1"/>
+          </p:cNvPicPr>
+          <p:nvPr/>
+        </p:nvPicPr>
+        <p:blipFill>
+          <a:blip r:embed="rId1"/>
+          <a:stretch>
+            <a:fillRect/>
+          </a:stretch>
+        </p:blipFill>
+        <p:spPr>
+          <a:xfrm>
+            <a:off x="1546860" y="2322195"/>
+            <a:ext cx="5719445" cy="2518410"/>
+          </a:xfrm>
+          <a:prstGeom prst="rect">
+            <a:avLst/>
+          </a:prstGeom>
+        </p:spPr>
+      </p:pic>
+    </p:spTree>
+  </p:cSld>
+  <p:clrMapOvr>
+    <a:masterClrMapping/>
+  </p:clrMapOvr>
+</p:sld>
+</file>
+
+<file path=ppt/slides/slide28.xml><?xml version="1.0" encoding="utf-8"?>
+<p:sld xmlns:a="http://schemas.openxmlformats.org/drawingml/2006/main" xmlns:r="http://schemas.openxmlformats.org/officeDocument/2006/relationships" xmlns:p="http://schemas.openxmlformats.org/presentationml/2006/main">
+  <p:cSld>
+    <p:spTree>
+      <p:nvGrpSpPr>
+        <p:cNvPr id="77" name="Shape 77"/>
+        <p:cNvGrpSpPr/>
+        <p:nvPr/>
+      </p:nvGrpSpPr>
+      <p:grpSpPr>
+        <a:xfrm>
+          <a:off x="0" y="0"/>
+          <a:ext cx="0" cy="0"/>
+          <a:chOff x="0" y="0"/>
+          <a:chExt cx="0" cy="0"/>
+        </a:xfrm>
+      </p:grpSpPr>
+      <p:sp>
+        <p:nvSpPr>
+          <p:cNvPr id="78" name="Google Shape;78;p15"/>
+          <p:cNvSpPr txBox="1"/>
+          <p:nvPr>
+            <p:ph type="title"/>
+          </p:nvPr>
+        </p:nvSpPr>
+        <p:spPr>
+          <a:xfrm>
+            <a:off x="311700" y="123715"/>
+            <a:ext cx="8520600" cy="707400"/>
+          </a:xfrm>
+          <a:prstGeom prst="rect">
+            <a:avLst/>
+          </a:prstGeom>
+        </p:spPr>
+        <p:txBody>
+          <a:bodyPr spcFirstLastPara="1" wrap="square" lIns="91425" tIns="91425" rIns="91425" bIns="91425" anchor="t" anchorCtr="0">
+            <a:normAutofit/>
+          </a:bodyPr>
+          <a:lstStyle/>
+          <a:p>
+            <a:pPr marL="0" lvl="0" indent="0" algn="l" rtl="0">
+              <a:spcBef>
+                <a:spcPts val="0"/>
+              </a:spcBef>
+              <a:spcAft>
+                <a:spcPts val="0"/>
+              </a:spcAft>
+              <a:buSzPts val="990"/>
+              <a:buNone/>
+            </a:pPr>
+            <a:r>
+              <a:rPr lang="en-US" sz="2935">
+                <a:sym typeface="+mn-ea"/>
+              </a:rPr>
+              <a:t>How’s Docker running on your computer</a:t>
+            </a:r>
+            <a:endParaRPr lang="en-US" sz="2940" b="0">
+              <a:solidFill>
+                <a:srgbClr val="3D85C6"/>
+              </a:solidFill>
+            </a:endParaRPr>
+          </a:p>
+        </p:txBody>
+      </p:sp>
+      <p:sp>
+        <p:nvSpPr>
+          <p:cNvPr id="79" name="Google Shape;79;p15"/>
+          <p:cNvSpPr txBox="1"/>
+          <p:nvPr>
+            <p:ph type="body" idx="1"/>
+          </p:nvPr>
+        </p:nvSpPr>
+        <p:spPr>
+          <a:xfrm>
+            <a:off x="311785" y="831215"/>
+            <a:ext cx="3781425" cy="3736975"/>
+          </a:xfrm>
+          <a:prstGeom prst="rect">
+            <a:avLst/>
+          </a:prstGeom>
+        </p:spPr>
+        <p:txBody>
+          <a:bodyPr spcFirstLastPara="1" wrap="square" lIns="91425" tIns="91425" rIns="91425" bIns="91425" anchor="t" anchorCtr="0">
+            <a:normAutofit/>
+          </a:bodyPr>
+          <a:lstStyle/>
+          <a:p>
+            <a:pPr marL="457200" lvl="0" indent="-342900" algn="l" rtl="0">
+              <a:spcBef>
+                <a:spcPts val="0"/>
+              </a:spcBef>
+              <a:spcAft>
+                <a:spcPts val="0"/>
+              </a:spcAft>
+              <a:buSzPts val="1800"/>
+              <a:buChar char="+"/>
+            </a:pPr>
+            <a:r>
+              <a:rPr lang="en-US" altLang="en-GB" b="1">
+                <a:sym typeface="+mn-ea"/>
+              </a:rPr>
+              <a:t>Name spacing and Control groups is not on Windows or Mac, It’s belong to Linux</a:t>
+            </a:r>
+            <a:endParaRPr lang="en-US" altLang="en-GB" b="1">
+              <a:sym typeface="+mn-ea"/>
+            </a:endParaRPr>
+          </a:p>
+          <a:p>
+            <a:pPr marL="457200" lvl="0" indent="-342900" algn="l" rtl="0">
+              <a:spcBef>
+                <a:spcPts val="0"/>
+              </a:spcBef>
+              <a:spcAft>
+                <a:spcPts val="0"/>
+              </a:spcAft>
+              <a:buSzPts val="1800"/>
+              <a:buChar char="+"/>
+            </a:pPr>
+            <a:r>
+              <a:rPr lang="en-US" altLang="en-GB" b="1">
+                <a:sym typeface="+mn-ea"/>
+              </a:rPr>
+              <a:t>Linux Virtual Machine is host the docker and container to run</a:t>
+            </a:r>
+            <a:endParaRPr lang="en-US" altLang="en-GB" b="1">
+              <a:sym typeface="+mn-ea"/>
+            </a:endParaRPr>
+          </a:p>
+          <a:p>
+            <a:pPr marL="114300" lvl="0" indent="0" algn="l" rtl="0">
+              <a:spcBef>
+                <a:spcPts val="0"/>
+              </a:spcBef>
+              <a:spcAft>
+                <a:spcPts val="0"/>
+              </a:spcAft>
+              <a:buSzPts val="1800"/>
+              <a:buNone/>
+            </a:pPr>
+            <a:endParaRPr lang="en-US" b="1">
+              <a:solidFill>
+                <a:srgbClr val="B45F06"/>
+              </a:solidFill>
+            </a:endParaRPr>
+          </a:p>
+        </p:txBody>
+      </p:sp>
+      <p:pic>
+        <p:nvPicPr>
+          <p:cNvPr id="2" name="Picture 1"/>
+          <p:cNvPicPr>
+            <a:picLocks noChangeAspect="1"/>
+          </p:cNvPicPr>
+          <p:nvPr/>
+        </p:nvPicPr>
+        <p:blipFill>
+          <a:blip r:embed="rId1"/>
+          <a:stretch>
+            <a:fillRect/>
+          </a:stretch>
+        </p:blipFill>
+        <p:spPr>
+          <a:xfrm>
+            <a:off x="4355465" y="908050"/>
+            <a:ext cx="4344670" cy="3787140"/>
+          </a:xfrm>
+          <a:prstGeom prst="rect">
+            <a:avLst/>
+          </a:prstGeom>
+        </p:spPr>
+      </p:pic>
+    </p:spTree>
+  </p:cSld>
+  <p:clrMapOvr>
+    <a:masterClrMapping/>
+  </p:clrMapOvr>
+</p:sld>
+</file>
+
+<file path=ppt/slides/slide29.xml><?xml version="1.0" encoding="utf-8"?>
 <p:sld xmlns:a="http://schemas.openxmlformats.org/drawingml/2006/main" xmlns:r="http://schemas.openxmlformats.org/officeDocument/2006/relationships" xmlns:p="http://schemas.openxmlformats.org/presentationml/2006/main">
   <p:cSld>
     <p:spTree>
@@ -11854,8 +13070,10 @@
               <a:buNone/>
             </a:pPr>
             <a:r>
-              <a:rPr lang="en-US" sz="2940"/>
-              <a:t>What is Docker</a:t>
+              <a:rPr lang="en-US" sz="2935">
+                <a:sym typeface="+mn-ea"/>
+              </a:rPr>
+              <a:t>What is Docker?</a:t>
             </a:r>
             <a:endParaRPr lang="en-US" sz="2940" b="0">
               <a:solidFill>
@@ -11865,89 +13083,30 @@
           </a:p>
         </p:txBody>
       </p:sp>
-      <p:sp>
-        <p:nvSpPr>
-          <p:cNvPr id="79" name="Google Shape;79;p15"/>
-          <p:cNvSpPr txBox="1"/>
-          <p:nvPr>
-            <p:ph type="body" idx="1"/>
-          </p:nvPr>
-        </p:nvSpPr>
-        <p:spPr>
-          <a:xfrm>
-            <a:off x="311785" y="831215"/>
-            <a:ext cx="8520430" cy="3737610"/>
+      <p:pic>
+        <p:nvPicPr>
+          <p:cNvPr id="2" name="Picture 1"/>
+          <p:cNvPicPr>
+            <a:picLocks noChangeAspect="1"/>
+          </p:cNvPicPr>
+          <p:nvPr/>
+        </p:nvPicPr>
+        <p:blipFill>
+          <a:blip r:embed="rId1"/>
+          <a:stretch>
+            <a:fillRect/>
+          </a:stretch>
+        </p:blipFill>
+        <p:spPr>
+          <a:xfrm>
+            <a:off x="1842135" y="831215"/>
+            <a:ext cx="5220335" cy="3880485"/>
           </a:xfrm>
           <a:prstGeom prst="rect">
             <a:avLst/>
           </a:prstGeom>
         </p:spPr>
-        <p:txBody>
-          <a:bodyPr spcFirstLastPara="1" wrap="square" lIns="91425" tIns="91425" rIns="91425" bIns="91425" anchor="t" anchorCtr="0">
-            <a:normAutofit/>
-          </a:bodyPr>
-          <a:lstStyle/>
-          <a:p>
-            <a:pPr marL="457200" lvl="0" indent="-342900" algn="l" rtl="0">
-              <a:spcBef>
-                <a:spcPts val="0"/>
-              </a:spcBef>
-              <a:spcAft>
-                <a:spcPts val="0"/>
-              </a:spcAft>
-              <a:buSzPts val="1800"/>
-              <a:buChar char="+"/>
-            </a:pPr>
-            <a:r>
-              <a:rPr lang="en-US" altLang="en-GB" b="1">
-                <a:sym typeface="+mn-ea"/>
-              </a:rPr>
-              <a:t>Docker is an open source platform for building, deploying and managing containerized application</a:t>
-            </a:r>
-            <a:endParaRPr lang="en-US" altLang="en-GB" b="1">
-              <a:sym typeface="+mn-ea"/>
-            </a:endParaRPr>
-          </a:p>
-          <a:p>
-            <a:pPr marL="457200" lvl="0" indent="-342900" algn="l" rtl="0">
-              <a:spcBef>
-                <a:spcPts val="0"/>
-              </a:spcBef>
-              <a:spcAft>
-                <a:spcPts val="0"/>
-              </a:spcAft>
-              <a:buSzPts val="1800"/>
-              <a:buChar char="+"/>
-            </a:pPr>
-            <a:r>
-              <a:rPr lang="en-US" altLang="en-GB" b="1">
-                <a:sym typeface="+mn-ea"/>
-              </a:rPr>
-              <a:t>Docker enables you to seperate your applications from your infrastructure so you can deliver your software quickly</a:t>
-            </a:r>
-            <a:endParaRPr lang="en-US" altLang="en-GB" b="1">
-              <a:sym typeface="+mn-ea"/>
-            </a:endParaRPr>
-          </a:p>
-          <a:p>
-            <a:pPr marL="457200" lvl="0" indent="-342900" algn="l" rtl="0">
-              <a:spcBef>
-                <a:spcPts val="0"/>
-              </a:spcBef>
-              <a:spcAft>
-                <a:spcPts val="0"/>
-              </a:spcAft>
-              <a:buSzPts val="1800"/>
-              <a:buChar char="+"/>
-            </a:pPr>
-            <a:endParaRPr lang="en-US" b="1">
-              <a:solidFill>
-                <a:srgbClr val="B45F06"/>
-              </a:solidFill>
-            </a:endParaRPr>
-          </a:p>
-        </p:txBody>
-      </p:sp>
+      </p:pic>
     </p:spTree>
   </p:cSld>
   <p:clrMapOvr>
@@ -12007,10 +13166,8 @@
               <a:buNone/>
             </a:pPr>
             <a:r>
-              <a:rPr lang="en-US" sz="2935">
-                <a:sym typeface="+mn-ea"/>
-              </a:rPr>
-              <a:t>What is Docker</a:t>
+              <a:rPr lang="en-US" sz="2940"/>
+              <a:t>What is Docker?</a:t>
             </a:r>
             <a:endParaRPr lang="en-US" sz="2940" b="0">
               <a:solidFill>
@@ -12030,8 +13187,8 @@
         </p:nvSpPr>
         <p:spPr>
           <a:xfrm>
-            <a:off x="311785" y="831850"/>
-            <a:ext cx="8520430" cy="3736975"/>
+            <a:off x="311785" y="831215"/>
+            <a:ext cx="5050155" cy="3737610"/>
           </a:xfrm>
           <a:prstGeom prst="rect">
             <a:avLst/>
@@ -12057,7 +13214,7 @@
               <a:rPr lang="en-US" altLang="en-GB" b="1">
                 <a:sym typeface="+mn-ea"/>
               </a:rPr>
-              <a:t>Docker Container: is a standard unit of software that packages up code and all its dependencies so the application runs quickly and reliably from one computing environment to another.</a:t>
+              <a:t>Docker is an open source platform for building, deploying and managing containerized application</a:t>
             </a:r>
             <a:endParaRPr lang="en-US" altLang="en-GB" b="1">
               <a:sym typeface="+mn-ea"/>
@@ -12078,7 +13235,7 @@
               <a:rPr lang="en-US" altLang="en-GB" b="1">
                 <a:sym typeface="+mn-ea"/>
               </a:rPr>
-              <a:t>Docker Container Image: is a lightweight, standalone, executable package of software that includes everything  need to run an application: code, runtime, system tools, system libraries and settings</a:t>
+              <a:t>Docker enables you to seperate your applications from your infrastructure so you can deliver your software quickly</a:t>
             </a:r>
             <a:endParaRPr lang="en-US" altLang="en-GB" b="1">
               <a:sym typeface="+mn-ea"/>
@@ -12095,33 +13252,6 @@
               <a:buSzPts val="1800"/>
               <a:buChar char="+"/>
             </a:pPr>
-            <a:r>
-              <a:rPr lang="en-US" altLang="en-GB" b="1">
-                <a:sym typeface="+mn-ea"/>
-              </a:rPr>
-              <a:t>Images become Containers at runtime when they run on Docker engine. Container is an instance of image to run a specific application. </a:t>
-            </a:r>
-            <a:endParaRPr lang="en-US" altLang="en-GB" b="1">
-              <a:sym typeface="+mn-ea"/>
-            </a:endParaRPr>
-          </a:p>
-          <a:p>
-            <a:pPr marL="457200" lvl="0" indent="-342900" algn="l" rtl="0">
-              <a:spcBef>
-                <a:spcPts val="0"/>
-              </a:spcBef>
-              <a:spcAft>
-                <a:spcPts val="0"/>
-              </a:spcAft>
-              <a:buSzPts val="1800"/>
-              <a:buChar char="+"/>
-            </a:pPr>
-            <a:r>
-              <a:rPr lang="en-US" altLang="en-GB" b="1">
-                <a:sym typeface="+mn-ea"/>
-              </a:rPr>
-              <a:t>Docker Container are everywhere, It can run on Linux, Windows, Data Center, Cloud, Serverless...</a:t>
-            </a:r>
             <a:endParaRPr lang="en-US" b="1">
               <a:solidFill>
                 <a:srgbClr val="B45F06"/>
@@ -12130,6 +13260,30 @@
           </a:p>
         </p:txBody>
       </p:sp>
+      <p:pic>
+        <p:nvPicPr>
+          <p:cNvPr id="2" name="Picture 1" descr="docker-banner"/>
+          <p:cNvPicPr>
+            <a:picLocks noChangeAspect="1"/>
+          </p:cNvPicPr>
+          <p:nvPr/>
+        </p:nvPicPr>
+        <p:blipFill>
+          <a:blip r:embed="rId1"/>
+          <a:stretch>
+            <a:fillRect/>
+          </a:stretch>
+        </p:blipFill>
+        <p:spPr>
+          <a:xfrm>
+            <a:off x="5631815" y="831215"/>
+            <a:ext cx="3200400" cy="2733675"/>
+          </a:xfrm>
+          <a:prstGeom prst="rect">
+            <a:avLst/>
+          </a:prstGeom>
+        </p:spPr>
+      </p:pic>
     </p:spTree>
   </p:cSld>
   <p:clrMapOvr>
@@ -12192,7 +13346,7 @@
               <a:rPr lang="en-US" sz="2935">
                 <a:sym typeface="+mn-ea"/>
               </a:rPr>
-              <a:t>Containers vs Virtual Machines</a:t>
+              <a:t>What is Docker</a:t>
             </a:r>
             <a:endParaRPr lang="en-US" sz="2940" b="0">
               <a:solidFill>
@@ -12212,8 +13366,8 @@
         </p:nvSpPr>
         <p:spPr>
           <a:xfrm>
-            <a:off x="311785" y="3151505"/>
-            <a:ext cx="8520430" cy="1417320"/>
+            <a:off x="311785" y="831850"/>
+            <a:ext cx="8520430" cy="3736975"/>
           </a:xfrm>
           <a:prstGeom prst="rect">
             <a:avLst/>
@@ -12239,7 +13393,7 @@
               <a:rPr lang="en-US" altLang="en-GB" b="1">
                 <a:sym typeface="+mn-ea"/>
               </a:rPr>
-              <a:t>Both of them are similar resource isolation and allocation benefits</a:t>
+              <a:t>Docker Container: is a standard unit of software that packages up code and all its dependencies so the application runs quickly and reliably from one computing environment to another.</a:t>
             </a:r>
             <a:endParaRPr lang="en-US" altLang="en-GB" b="1">
               <a:sym typeface="+mn-ea"/>
@@ -12260,7 +13414,49 @@
               <a:rPr lang="en-US" altLang="en-GB" b="1">
                 <a:sym typeface="+mn-ea"/>
               </a:rPr>
-              <a:t>The Container virtualizes the operating system instead of hardware. Containers are more portable, lightweight and efficient</a:t>
+              <a:t>Docker Image: is a lightweight, standalone, executable package of software that includes everything  need to run an application: code, runtime, system tools, system libraries and settings</a:t>
+            </a:r>
+            <a:endParaRPr lang="en-US" altLang="en-GB" b="1">
+              <a:sym typeface="+mn-ea"/>
+            </a:endParaRPr>
+          </a:p>
+          <a:p>
+            <a:pPr marL="457200" lvl="0" indent="-342900" algn="l" rtl="0">
+              <a:spcBef>
+                <a:spcPts val="0"/>
+              </a:spcBef>
+              <a:spcAft>
+                <a:spcPts val="0"/>
+              </a:spcAft>
+              <a:buSzPts val="1800"/>
+              <a:buChar char="+"/>
+            </a:pPr>
+            <a:r>
+              <a:rPr lang="en-US" altLang="en-GB" b="1">
+                <a:sym typeface="+mn-ea"/>
+              </a:rPr>
+              <a:t>Images become Containers at runtime when they run on Docker engine. Container is an instance of image to run a specific application. </a:t>
+            </a:r>
+            <a:endParaRPr lang="en-US" altLang="en-GB" b="1">
+              <a:sym typeface="+mn-ea"/>
+            </a:endParaRPr>
+          </a:p>
+          <a:p>
+            <a:pPr marL="457200" lvl="0" indent="-342900" algn="l" rtl="0">
+              <a:spcBef>
+                <a:spcPts val="0"/>
+              </a:spcBef>
+              <a:spcAft>
+                <a:spcPts val="0"/>
+              </a:spcAft>
+              <a:buSzPts val="1800"/>
+              <a:buChar char="+"/>
+            </a:pPr>
+            <a:r>
+              <a:rPr lang="en-US" altLang="en-GB" b="1">
+                <a:sym typeface="+mn-ea"/>
+              </a:rPr>
+              <a:t>Docker Container are everywhere, It can run on Linux, Windows, Data Center, Cloud, Serverless...</a:t>
             </a:r>
             <a:endParaRPr lang="en-US" b="1">
               <a:solidFill>
@@ -12270,30 +13466,6 @@
           </a:p>
         </p:txBody>
       </p:sp>
-      <p:pic>
-        <p:nvPicPr>
-          <p:cNvPr id="2" name="Picture 1"/>
-          <p:cNvPicPr>
-            <a:picLocks noChangeAspect="1"/>
-          </p:cNvPicPr>
-          <p:nvPr/>
-        </p:nvPicPr>
-        <p:blipFill>
-          <a:blip r:embed="rId1"/>
-          <a:stretch>
-            <a:fillRect/>
-          </a:stretch>
-        </p:blipFill>
-        <p:spPr>
-          <a:xfrm>
-            <a:off x="1691640" y="831215"/>
-            <a:ext cx="5487670" cy="2263140"/>
-          </a:xfrm>
-          <a:prstGeom prst="rect">
-            <a:avLst/>
-          </a:prstGeom>
-        </p:spPr>
-      </p:pic>
     </p:spTree>
   </p:cSld>
   <p:clrMapOvr>
@@ -12356,7 +13528,7 @@
               <a:rPr lang="en-US" sz="2935">
                 <a:sym typeface="+mn-ea"/>
               </a:rPr>
-              <a:t>Why is Docker</a:t>
+              <a:t>Why is Docker?</a:t>
             </a:r>
             <a:endParaRPr lang="en-US" sz="2940" b="0">
               <a:solidFill>
@@ -12403,7 +13575,7 @@
               <a:rPr lang="en-US" altLang="en-GB" b="1">
                 <a:sym typeface="+mn-ea"/>
               </a:rPr>
-              <a:t>Container use shared operationg systems. This means they are much more efficient then HyperVisor in the system resource terms</a:t>
+              <a:t>Replaces Virtual Machines</a:t>
             </a:r>
             <a:endParaRPr lang="en-US" altLang="en-GB" b="1">
               <a:sym typeface="+mn-ea"/>
@@ -12559,7 +13731,7 @@
               <a:rPr lang="en-US" sz="2935">
                 <a:sym typeface="+mn-ea"/>
               </a:rPr>
-              <a:t>Docker Architechture</a:t>
+              <a:t>What problems does Docker solve?</a:t>
             </a:r>
             <a:endParaRPr lang="en-US" sz="2940" b="0">
               <a:solidFill>
@@ -12579,8 +13751,8 @@
         </p:nvSpPr>
         <p:spPr>
           <a:xfrm>
-            <a:off x="311785" y="831215"/>
-            <a:ext cx="5043805" cy="3736975"/>
+            <a:off x="311785" y="831850"/>
+            <a:ext cx="8520430" cy="3736975"/>
           </a:xfrm>
           <a:prstGeom prst="rect">
             <a:avLst/>
@@ -12588,7 +13760,7 @@
         </p:spPr>
         <p:txBody>
           <a:bodyPr spcFirstLastPara="1" wrap="square" lIns="91425" tIns="91425" rIns="91425" bIns="91425" anchor="t" anchorCtr="0">
-            <a:normAutofit fontScale="80000"/>
+            <a:normAutofit/>
           </a:bodyPr>
           <a:lstStyle/>
           <a:p>
@@ -12606,7 +13778,7 @@
               <a:rPr lang="en-US" altLang="en-GB" b="1">
                 <a:sym typeface="+mn-ea"/>
               </a:rPr>
-              <a:t>Uses a client-server architechture</a:t>
+              <a:t>Getting organized</a:t>
             </a:r>
             <a:endParaRPr lang="en-US" altLang="en-GB" b="1">
               <a:sym typeface="+mn-ea"/>
@@ -12623,75 +13795,6 @@
               <a:buSzPts val="1800"/>
               <a:buChar char="+"/>
             </a:pPr>
-            <a:r>
-              <a:rPr lang="en-US" altLang="en-GB" b="1">
-                <a:sym typeface="+mn-ea"/>
-              </a:rPr>
-              <a:t>Docker Client talks to Docker Daemon, which does the heavy lifting fo building, running, and distributing your docker containers.</a:t>
-            </a:r>
-            <a:endParaRPr lang="en-US" altLang="en-GB" b="1">
-              <a:sym typeface="+mn-ea"/>
-            </a:endParaRPr>
-          </a:p>
-          <a:p>
-            <a:pPr marL="457200" lvl="0" indent="-342900" algn="l" rtl="0">
-              <a:spcBef>
-                <a:spcPts val="0"/>
-              </a:spcBef>
-              <a:spcAft>
-                <a:spcPts val="0"/>
-              </a:spcAft>
-              <a:buSzPts val="1800"/>
-              <a:buChar char="+"/>
-            </a:pPr>
-            <a:r>
-              <a:rPr lang="en-US" altLang="en-GB" b="1">
-                <a:sym typeface="+mn-ea"/>
-              </a:rPr>
-              <a:t>Docker client and Deamon can run on the same system or you can connect a docker client to a remote docker deamon.</a:t>
-            </a:r>
-            <a:endParaRPr lang="en-US" altLang="en-GB" b="1">
-              <a:sym typeface="+mn-ea"/>
-            </a:endParaRPr>
-          </a:p>
-          <a:p>
-            <a:pPr marL="457200" lvl="0" indent="-342900" algn="l" rtl="0">
-              <a:spcBef>
-                <a:spcPts val="0"/>
-              </a:spcBef>
-              <a:spcAft>
-                <a:spcPts val="0"/>
-              </a:spcAft>
-              <a:buSzPts val="1800"/>
-              <a:buChar char="+"/>
-            </a:pPr>
-            <a:r>
-              <a:rPr lang="en-US" altLang="en-GB" b="1">
-                <a:sym typeface="+mn-ea"/>
-              </a:rPr>
-              <a:t>Docker client and daemon communicate using a REST API, over UNIX sockets or a network interface</a:t>
-            </a:r>
-            <a:endParaRPr lang="en-US" altLang="en-GB" b="1">
-              <a:sym typeface="+mn-ea"/>
-            </a:endParaRPr>
-          </a:p>
-          <a:p>
-            <a:pPr marL="457200" lvl="0" indent="-342900" algn="l" rtl="0">
-              <a:spcBef>
-                <a:spcPts val="0"/>
-              </a:spcBef>
-              <a:spcAft>
-                <a:spcPts val="0"/>
-              </a:spcAft>
-              <a:buSzPts val="1800"/>
-              <a:buChar char="+"/>
-            </a:pPr>
-            <a:r>
-              <a:rPr lang="en-US" altLang="en-GB" b="1">
-                <a:sym typeface="+mn-ea"/>
-              </a:rPr>
-              <a:t>Another docker client is Docker Compose, that lets you work with applications consisting of a set of containers</a:t>
-            </a:r>
             <a:endParaRPr lang="en-US" b="1">
               <a:solidFill>
                 <a:srgbClr val="B45F06"/>
@@ -12716,8 +13819,8 @@
         </p:blipFill>
         <p:spPr>
           <a:xfrm>
-            <a:off x="5419090" y="1329690"/>
-            <a:ext cx="3499485" cy="1831340"/>
+            <a:off x="3143250" y="831850"/>
+            <a:ext cx="5688965" cy="4024630"/>
           </a:xfrm>
           <a:prstGeom prst="rect">
             <a:avLst/>
@@ -12786,7 +13889,7 @@
               <a:rPr lang="en-US" sz="2935">
                 <a:sym typeface="+mn-ea"/>
               </a:rPr>
-              <a:t>Docker Architechture - Docker daemon</a:t>
+              <a:t>What problems does Docker solve?</a:t>
             </a:r>
             <a:endParaRPr lang="en-US" sz="2940" b="0">
               <a:solidFill>
@@ -12806,8 +13909,8 @@
         </p:nvSpPr>
         <p:spPr>
           <a:xfrm>
-            <a:off x="311785" y="831215"/>
-            <a:ext cx="4981575" cy="3736975"/>
+            <a:off x="311785" y="831850"/>
+            <a:ext cx="5553075" cy="3736975"/>
           </a:xfrm>
           <a:prstGeom prst="rect">
             <a:avLst/>
@@ -12833,7 +13936,7 @@
               <a:rPr lang="en-US" altLang="en-GB" b="1">
                 <a:sym typeface="+mn-ea"/>
               </a:rPr>
-              <a:t>Docker Daemon listens for Docker APIs requests and manages Docker objects such as images, containers, networks and volumes</a:t>
+              <a:t>Improving portability </a:t>
             </a:r>
             <a:endParaRPr lang="en-US" altLang="en-GB" b="1">
               <a:sym typeface="+mn-ea"/>
@@ -12854,14 +13957,14 @@
               <a:rPr lang="en-US" altLang="en-GB" b="1">
                 <a:sym typeface="+mn-ea"/>
               </a:rPr>
-              <a:t>A docker daemon can also communicate with other daemons to manage docker services</a:t>
+              <a:t>Docker support run the same software on any system</a:t>
             </a:r>
             <a:endParaRPr lang="en-US" altLang="en-GB" b="1">
               <a:sym typeface="+mn-ea"/>
             </a:endParaRPr>
           </a:p>
           <a:p>
-            <a:pPr marL="457200" lvl="0" indent="-342900" algn="l" rtl="0">
+            <a:pPr marL="914400" lvl="1" indent="-342900" algn="l" rtl="0">
               <a:spcBef>
                 <a:spcPts val="0"/>
               </a:spcBef>
@@ -12881,7 +13984,7 @@
       </p:sp>
       <p:pic>
         <p:nvPicPr>
-          <p:cNvPr id="2" name="Picture 1"/>
+          <p:cNvPr id="1" name="Picture 0"/>
           <p:cNvPicPr>
             <a:picLocks noChangeAspect="1"/>
           </p:cNvPicPr>
@@ -12895,8 +13998,32 @@
         </p:blipFill>
         <p:spPr>
           <a:xfrm>
-            <a:off x="5711825" y="831215"/>
-            <a:ext cx="3072765" cy="3546475"/>
+            <a:off x="6058535" y="831215"/>
+            <a:ext cx="2454910" cy="4041775"/>
+          </a:xfrm>
+          <a:prstGeom prst="rect">
+            <a:avLst/>
+          </a:prstGeom>
+        </p:spPr>
+      </p:pic>
+      <p:pic>
+        <p:nvPicPr>
+          <p:cNvPr id="3" name="Picture 2"/>
+          <p:cNvPicPr>
+            <a:picLocks noChangeAspect="1"/>
+          </p:cNvPicPr>
+          <p:nvPr/>
+        </p:nvPicPr>
+        <p:blipFill>
+          <a:blip r:embed="rId2"/>
+          <a:stretch>
+            <a:fillRect/>
+          </a:stretch>
+        </p:blipFill>
+        <p:spPr>
+          <a:xfrm>
+            <a:off x="1140460" y="2060575"/>
+            <a:ext cx="3895090" cy="2812415"/>
           </a:xfrm>
           <a:prstGeom prst="rect">
             <a:avLst/>
@@ -12965,7 +14092,7 @@
               <a:rPr lang="en-US" sz="2935">
                 <a:sym typeface="+mn-ea"/>
               </a:rPr>
-              <a:t>Docker Architechture - Docker client</a:t>
+              <a:t>What problems does Docker solve?</a:t>
             </a:r>
             <a:endParaRPr lang="en-US" sz="2940" b="0">
               <a:solidFill>
@@ -12985,8 +14112,8 @@
         </p:nvSpPr>
         <p:spPr>
           <a:xfrm>
-            <a:off x="311785" y="831215"/>
-            <a:ext cx="5002530" cy="3736975"/>
+            <a:off x="311785" y="831850"/>
+            <a:ext cx="5553075" cy="3736975"/>
           </a:xfrm>
           <a:prstGeom prst="rect">
             <a:avLst/>
@@ -13012,65 +14139,8 @@
               <a:rPr lang="en-US" altLang="en-GB" b="1">
                 <a:sym typeface="+mn-ea"/>
               </a:rPr>
-              <a:t>Docker client is the primary way that many docker users interact with Docker by using a command</a:t>
+              <a:t>Protecting your computer</a:t>
             </a:r>
-            <a:endParaRPr lang="en-US" altLang="en-GB" b="1">
-              <a:sym typeface="+mn-ea"/>
-            </a:endParaRPr>
-          </a:p>
-          <a:p>
-            <a:pPr marL="457200" lvl="0" indent="-342900" algn="l" rtl="0">
-              <a:spcBef>
-                <a:spcPts val="0"/>
-              </a:spcBef>
-              <a:spcAft>
-                <a:spcPts val="0"/>
-              </a:spcAft>
-              <a:buSzPts val="1800"/>
-              <a:buChar char="+"/>
-            </a:pPr>
-            <a:r>
-              <a:rPr lang="en-US" altLang="en-GB" b="1">
-                <a:sym typeface="+mn-ea"/>
-              </a:rPr>
-              <a:t>The docker command use the Docker API</a:t>
-            </a:r>
-            <a:endParaRPr lang="en-US" altLang="en-GB" b="1">
-              <a:sym typeface="+mn-ea"/>
-            </a:endParaRPr>
-          </a:p>
-          <a:p>
-            <a:pPr marL="457200" lvl="0" indent="-342900" algn="l" rtl="0">
-              <a:spcBef>
-                <a:spcPts val="0"/>
-              </a:spcBef>
-              <a:spcAft>
-                <a:spcPts val="0"/>
-              </a:spcAft>
-              <a:buSzPts val="1800"/>
-              <a:buChar char="+"/>
-            </a:pPr>
-            <a:r>
-              <a:rPr lang="en-US" altLang="en-GB" b="1">
-                <a:sym typeface="+mn-ea"/>
-              </a:rPr>
-              <a:t>The docker client can communicate with other than one daemon</a:t>
-            </a:r>
-            <a:endParaRPr lang="en-US" altLang="en-GB" b="1">
-              <a:sym typeface="+mn-ea"/>
-            </a:endParaRPr>
-          </a:p>
-          <a:p>
-            <a:pPr marL="114300" lvl="0" indent="0" algn="l" rtl="0">
-              <a:spcBef>
-                <a:spcPts val="0"/>
-              </a:spcBef>
-              <a:spcAft>
-                <a:spcPts val="0"/>
-              </a:spcAft>
-              <a:buSzPts val="1800"/>
-              <a:buNone/>
-            </a:pPr>
             <a:endParaRPr lang="en-US" b="1">
               <a:solidFill>
                 <a:srgbClr val="B45F06"/>
@@ -13095,8 +14165,8 @@
         </p:blipFill>
         <p:spPr>
           <a:xfrm>
-            <a:off x="5547995" y="905510"/>
-            <a:ext cx="3133090" cy="3159760"/>
+            <a:off x="2025650" y="1377950"/>
+            <a:ext cx="5092065" cy="2945765"/>
           </a:xfrm>
           <a:prstGeom prst="rect">
             <a:avLst/>
